--- a/relazione.pptx
+++ b/relazione.pptx
@@ -42,7 +42,9 @@
     <p:sldId id="338" r:id="rId36"/>
     <p:sldId id="339" r:id="rId37"/>
     <p:sldId id="340" r:id="rId38"/>
-    <p:sldId id="341" r:id="rId39"/>
+    <p:sldId id="342" r:id="rId39"/>
+    <p:sldId id="343" r:id="rId40"/>
+    <p:sldId id="341" r:id="rId41"/>
   </p:sldIdLst>
   <p:sldSz cx="12192000" cy="6858000"/>
   <p:notesSz cx="7104063" cy="10234613"/>
@@ -2757,7 +2759,7 @@
           <a:p>
             <a:fld id="{D478EEAB-D62E-4B64-81A9-A8EE0DEB58FD}" type="datetimeFigureOut">
               <a:rPr lang="it-IT" smtClean="0"/>
-              <a:t>28/02/2022</a:t>
+              <a:t>01/03/2022</a:t>
             </a:fld>
             <a:endParaRPr lang="it-IT"/>
           </a:p>
@@ -2965,7 +2967,7 @@
           <a:p>
             <a:fld id="{D478EEAB-D62E-4B64-81A9-A8EE0DEB58FD}" type="datetimeFigureOut">
               <a:rPr lang="it-IT" smtClean="0"/>
-              <a:t>28/02/2022</a:t>
+              <a:t>01/03/2022</a:t>
             </a:fld>
             <a:endParaRPr lang="it-IT"/>
           </a:p>
@@ -3221,7 +3223,7 @@
           <a:p>
             <a:fld id="{D478EEAB-D62E-4B64-81A9-A8EE0DEB58FD}" type="datetimeFigureOut">
               <a:rPr lang="it-IT" smtClean="0"/>
-              <a:t>28/02/2022</a:t>
+              <a:t>01/03/2022</a:t>
             </a:fld>
             <a:endParaRPr lang="it-IT"/>
           </a:p>
@@ -3395,7 +3397,7 @@
           <a:p>
             <a:fld id="{D478EEAB-D62E-4B64-81A9-A8EE0DEB58FD}" type="datetimeFigureOut">
               <a:rPr lang="it-IT" smtClean="0"/>
-              <a:t>28/02/2022</a:t>
+              <a:t>01/03/2022</a:t>
             </a:fld>
             <a:endParaRPr lang="it-IT"/>
           </a:p>
@@ -3738,7 +3740,7 @@
           <a:p>
             <a:fld id="{D478EEAB-D62E-4B64-81A9-A8EE0DEB58FD}" type="datetimeFigureOut">
               <a:rPr lang="it-IT" smtClean="0"/>
-              <a:t>28/02/2022</a:t>
+              <a:t>01/03/2022</a:t>
             </a:fld>
             <a:endParaRPr lang="it-IT"/>
           </a:p>
@@ -4013,7 +4015,7 @@
           <a:p>
             <a:fld id="{D478EEAB-D62E-4B64-81A9-A8EE0DEB58FD}" type="datetimeFigureOut">
               <a:rPr lang="it-IT" smtClean="0"/>
-              <a:t>28/02/2022</a:t>
+              <a:t>01/03/2022</a:t>
             </a:fld>
             <a:endParaRPr lang="it-IT"/>
           </a:p>
@@ -4392,7 +4394,7 @@
           <a:p>
             <a:fld id="{D478EEAB-D62E-4B64-81A9-A8EE0DEB58FD}" type="datetimeFigureOut">
               <a:rPr lang="it-IT" smtClean="0"/>
-              <a:t>28/02/2022</a:t>
+              <a:t>01/03/2022</a:t>
             </a:fld>
             <a:endParaRPr lang="it-IT"/>
           </a:p>
@@ -4510,7 +4512,7 @@
           <a:p>
             <a:fld id="{D478EEAB-D62E-4B64-81A9-A8EE0DEB58FD}" type="datetimeFigureOut">
               <a:rPr lang="it-IT" smtClean="0"/>
-              <a:t>28/02/2022</a:t>
+              <a:t>01/03/2022</a:t>
             </a:fld>
             <a:endParaRPr lang="it-IT"/>
           </a:p>
@@ -4681,7 +4683,7 @@
           <a:p>
             <a:fld id="{D478EEAB-D62E-4B64-81A9-A8EE0DEB58FD}" type="datetimeFigureOut">
               <a:rPr lang="it-IT" smtClean="0"/>
-              <a:t>28/02/2022</a:t>
+              <a:t>01/03/2022</a:t>
             </a:fld>
             <a:endParaRPr lang="it-IT"/>
           </a:p>
@@ -5035,7 +5037,7 @@
           <a:p>
             <a:fld id="{D478EEAB-D62E-4B64-81A9-A8EE0DEB58FD}" type="datetimeFigureOut">
               <a:rPr lang="it-IT" smtClean="0"/>
-              <a:t>28/02/2022</a:t>
+              <a:t>01/03/2022</a:t>
             </a:fld>
             <a:endParaRPr lang="it-IT"/>
           </a:p>
@@ -5417,7 +5419,7 @@
           <a:p>
             <a:fld id="{D478EEAB-D62E-4B64-81A9-A8EE0DEB58FD}" type="datetimeFigureOut">
               <a:rPr lang="it-IT" smtClean="0"/>
-              <a:t>28/02/2022</a:t>
+              <a:t>01/03/2022</a:t>
             </a:fld>
             <a:endParaRPr lang="it-IT"/>
           </a:p>
@@ -5704,7 +5706,7 @@
           <a:p>
             <a:fld id="{D478EEAB-D62E-4B64-81A9-A8EE0DEB58FD}" type="datetimeFigureOut">
               <a:rPr lang="it-IT" smtClean="0"/>
-              <a:t>28/02/2022</a:t>
+              <a:t>01/03/2022</a:t>
             </a:fld>
             <a:endParaRPr lang="it-IT"/>
           </a:p>
@@ -9238,7 +9240,7 @@
         </p:spPr>
         <p:txBody>
           <a:bodyPr>
-            <a:normAutofit fontScale="92500" lnSpcReduction="20000"/>
+            <a:normAutofit lnSpcReduction="10000"/>
           </a:bodyPr>
           <a:lstStyle/>
           <a:p>
@@ -9269,26 +9271,6 @@
             <a:r>
               <a:rPr lang="it-IT" sz="2600"/>
               <a:t> tabulate in precedenza per ottenere i risultati.</a:t>
-            </a:r>
-          </a:p>
-          <a:p>
-            <a:pPr>
-              <a:buFont typeface="Wingdings" panose="05000000000000000000" pitchFamily="2" charset="2"/>
-              <a:buChar char="§"/>
-            </a:pPr>
-            <a:r>
-              <a:rPr lang="it-IT" sz="2600"/>
-              <a:t>Useremo questo </a:t>
-            </a:r>
-            <a:r>
-              <a:rPr lang="it-IT" sz="2600">
-                <a:hlinkClick r:id="rId3"/>
-              </a:rPr>
-              <a:t>dataset</a:t>
-            </a:r>
-            <a:r>
-              <a:rPr lang="it-IT" sz="2600"/>
-              <a:t>, esso è relativo alle informazioni riguardo a un campione di carte di credito. Può essere utile clusterizzare per definire strategie di marketing. </a:t>
             </a:r>
           </a:p>
           <a:p>
@@ -9465,7 +9447,7 @@
             </a:pPr>
             <a:r>
               <a:rPr lang="it-IT" sz="2400"/>
-              <a:t>Scelta del valore m = 2, note </a:t>
+              <a:t>Scelta del valore di fuzzifier m = 2, note </a:t>
             </a:r>
             <a:r>
               <a:rPr lang="it-IT" sz="2400">
@@ -9602,8 +9584,11 @@
             </a:r>
             <a:r>
               <a:rPr lang="it-IT" sz="4000"/>
-              <a:t> rappresenta il dataset da passare in input, </a:t>
-            </a:r>
+              <a:t> rappresenta il dataset da passare in input</a:t>
+            </a:r>
+            <a:br>
+              <a:rPr lang="it-IT" sz="4000"/>
+            </a:br>
             <a:r>
               <a:rPr lang="it-IT" sz="4000" b="1">
                 <a:solidFill>
@@ -9614,7 +9599,7 @@
             </a:r>
             <a:r>
               <a:rPr lang="it-IT" sz="4000"/>
-              <a:t> è un vettore di interi o un semplice intero che indica i valori per cui va calcolato «index», di default è 2:6</a:t>
+              <a:t> è un vettore di interi o un semplice intero che indica il numero di cluster per cui va calcolato «index», di default è 2:6</a:t>
             </a:r>
             <a:br>
               <a:rPr lang="it-IT" sz="4000"/>
@@ -10205,7 +10190,7 @@
         </p:spPr>
         <p:txBody>
           <a:bodyPr>
-            <a:normAutofit/>
+            <a:normAutofit lnSpcReduction="10000"/>
           </a:bodyPr>
           <a:lstStyle/>
           <a:p>
@@ -10215,7 +10200,7 @@
             </a:pPr>
             <a:r>
               <a:rPr lang="it-IT" sz="2400"/>
-              <a:t>Per poter confrontare i vari algoritmi di clustering costruiamo una funzione che esegue tutti gli algoritmi di clustering e ritorna l’oggetto fclust con il coefficiente di fuzzy Silhouette migliore, la funzione esegue vari algoritmi molto dispendiosi di cui deve anche decidere il numero di cluster(in pratica ogni algoritmo sarà provato con k cluster con k che va da 2 a 6)</a:t>
+              <a:t>Per poter confrontare i vari algoritmi di clustering e capire chi tra esso si comporta meglio su un dataset costruiamo una funzione che esegue tutti gli algoritmi di clustering e ritorna l’oggetto fclust con il coefficiente di fuzzy Silhouette migliore, la funzione esegue vari algoritmi molto dispendiosi di cui deve anche decidere il numero di cluster(in pratica ogni algoritmo sarà provato con k cluster con k che va da 2 a 6)</a:t>
             </a:r>
           </a:p>
           <a:p>
@@ -10249,7 +10234,7 @@
             </a:pPr>
             <a:r>
               <a:rPr lang="it-IT" sz="2400"/>
-              <a:t>Le due funzioni si chiamano miglior.oggetto.fclust e info.principali.fclust e sono conservate in file a parte.</a:t>
+              <a:t>Le due funzioni si chiamano miglior.oggetto.fclust.SILF e info.principali.fclust e sono conservate in file a parte.</a:t>
             </a:r>
           </a:p>
         </p:txBody>
@@ -10289,7 +10274,7 @@
           <p:cNvPr id="2" name="Titolo 1">
             <a:extLst>
               <a:ext uri="{FF2B5EF4-FFF2-40B4-BE49-F238E27FC236}">
-                <a16:creationId xmlns:a16="http://schemas.microsoft.com/office/drawing/2014/main" id="{0CF92ED7-C9AC-41D5-BEB9-C9E2507E26C1}"/>
+                <a16:creationId xmlns:a16="http://schemas.microsoft.com/office/drawing/2014/main" id="{3BCECE48-BD5E-45AA-B85D-B450E38D490D}"/>
               </a:ext>
             </a:extLst>
           </p:cNvPr>
@@ -10307,7 +10292,7 @@
           <a:p>
             <a:r>
               <a:rPr lang="it-IT"/>
-              <a:t>Riferimenti e approfondimenti </a:t>
+              <a:t>Note sulla parte implementativa</a:t>
             </a:r>
           </a:p>
         </p:txBody>
@@ -10317,7 +10302,7 @@
           <p:cNvPr id="3" name="Segnaposto contenuto 2">
             <a:extLst>
               <a:ext uri="{FF2B5EF4-FFF2-40B4-BE49-F238E27FC236}">
-                <a16:creationId xmlns:a16="http://schemas.microsoft.com/office/drawing/2014/main" id="{643C074C-370B-4236-9D0C-03E4B6C8A6FF}"/>
+                <a16:creationId xmlns:a16="http://schemas.microsoft.com/office/drawing/2014/main" id="{A495B9A3-F3FD-4956-B6F2-AB387BFBC64E}"/>
               </a:ext>
             </a:extLst>
           </p:cNvPr>
@@ -10341,7 +10326,7 @@
             </a:pPr>
             <a:r>
               <a:rPr lang="it-IT" sz="2400"/>
-              <a:t>Documentazione ufficiale di R</a:t>
+              <a:t>Si è notato sperimentando col codice che i metodi con entropy regularization necessitano spesso di dati standardizzati, la presenza di dati non standardizzati potrebbe provocare per via dell’implementazione della funzione degli errori nei calcoli della matrice dei gradi di appartenenza(si genererebbero dei NAN)</a:t>
             </a:r>
           </a:p>
           <a:p>
@@ -10351,7 +10336,15 @@
             </a:pPr>
             <a:r>
               <a:rPr lang="it-IT" sz="2400"/>
-              <a:t>An introduction to Clustering with R, Giordani Paolo;Ferraro Maria Brigida; Martella Francesca</a:t>
+              <a:t>La standardizzazione è molto semplice, basta passare </a:t>
+            </a:r>
+            <a:r>
+              <a:rPr lang="it-IT" sz="2400" b="1"/>
+              <a:t>stand=1 </a:t>
+            </a:r>
+            <a:r>
+              <a:rPr lang="it-IT" sz="2400"/>
+              <a:t>alla funzione</a:t>
             </a:r>
           </a:p>
           <a:p>
@@ -10360,28 +10353,124 @@
               <a:buChar char="§"/>
             </a:pPr>
             <a:r>
-              <a:rPr lang="it-IT" sz="2400">
-                <a:hlinkClick r:id="rId2"/>
-              </a:rPr>
-              <a:t>fclust: An R Package for Fuzzy Clustering</a:t>
-            </a:r>
-            <a:r>
-              <a:rPr lang="it-IT" sz="2400"/>
-              <a:t>, Giordani Paolo;Ferraro Maria Brigida; Martella Francesca</a:t>
+              <a:rPr lang="it-IT" sz="2400"/>
+              <a:t>Anche la funzione FKM.pf.noise soffre in presenza di grandi moli di dati non standardizzati</a:t>
             </a:r>
           </a:p>
           <a:p>
             <a:pPr marL="0" indent="0">
               <a:buNone/>
             </a:pPr>
-            <a:endParaRPr lang="it-IT" sz="2400"/>
+            <a:endParaRPr lang="it-IT" sz="2400" b="1"/>
           </a:p>
         </p:txBody>
       </p:sp>
     </p:spTree>
     <p:extLst>
       <p:ext uri="{BB962C8B-B14F-4D97-AF65-F5344CB8AC3E}">
-        <p14:creationId xmlns:p14="http://schemas.microsoft.com/office/powerpoint/2010/main" val="4073287295"/>
+        <p14:creationId xmlns:p14="http://schemas.microsoft.com/office/powerpoint/2010/main" val="3702890854"/>
+      </p:ext>
+    </p:extLst>
+  </p:cSld>
+  <p:clrMapOvr>
+    <a:masterClrMapping/>
+  </p:clrMapOvr>
+</p:sld>
+</file>
+
+<file path=ppt/slides/slide39.xml><?xml version="1.0" encoding="utf-8"?>
+<p:sld xmlns:a="http://schemas.openxmlformats.org/drawingml/2006/main" xmlns:r="http://schemas.openxmlformats.org/officeDocument/2006/relationships" xmlns:p="http://schemas.openxmlformats.org/presentationml/2006/main">
+  <p:cSld>
+    <p:spTree>
+      <p:nvGrpSpPr>
+        <p:cNvPr id="1" name=""/>
+        <p:cNvGrpSpPr/>
+        <p:nvPr/>
+      </p:nvGrpSpPr>
+      <p:grpSpPr>
+        <a:xfrm>
+          <a:off x="0" y="0"/>
+          <a:ext cx="0" cy="0"/>
+          <a:chOff x="0" y="0"/>
+          <a:chExt cx="0" cy="0"/>
+        </a:xfrm>
+      </p:grpSpPr>
+      <p:sp>
+        <p:nvSpPr>
+          <p:cNvPr id="2" name="Titolo 1">
+            <a:extLst>
+              <a:ext uri="{FF2B5EF4-FFF2-40B4-BE49-F238E27FC236}">
+                <a16:creationId xmlns:a16="http://schemas.microsoft.com/office/drawing/2014/main" id="{6C8E1C8A-A3EA-452C-A65E-D92AE3E2B3CC}"/>
+              </a:ext>
+            </a:extLst>
+          </p:cNvPr>
+          <p:cNvSpPr>
+            <a:spLocks noGrp="1"/>
+          </p:cNvSpPr>
+          <p:nvPr>
+            <p:ph type="title"/>
+          </p:nvPr>
+        </p:nvSpPr>
+        <p:spPr/>
+        <p:txBody>
+          <a:bodyPr/>
+          <a:lstStyle/>
+          <a:p>
+            <a:r>
+              <a:rPr lang="it-IT"/>
+              <a:t>Conclusioni</a:t>
+            </a:r>
+          </a:p>
+        </p:txBody>
+      </p:sp>
+      <p:sp>
+        <p:nvSpPr>
+          <p:cNvPr id="3" name="Segnaposto contenuto 2">
+            <a:extLst>
+              <a:ext uri="{FF2B5EF4-FFF2-40B4-BE49-F238E27FC236}">
+                <a16:creationId xmlns:a16="http://schemas.microsoft.com/office/drawing/2014/main" id="{17A731FD-242D-4451-8EB0-3CB9BEA7618D}"/>
+              </a:ext>
+            </a:extLst>
+          </p:cNvPr>
+          <p:cNvSpPr>
+            <a:spLocks noGrp="1"/>
+          </p:cNvSpPr>
+          <p:nvPr>
+            <p:ph idx="1"/>
+          </p:nvPr>
+        </p:nvSpPr>
+        <p:spPr/>
+        <p:txBody>
+          <a:bodyPr>
+            <a:normAutofit/>
+          </a:bodyPr>
+          <a:lstStyle/>
+          <a:p>
+            <a:pPr>
+              <a:buFont typeface="Wingdings" panose="05000000000000000000" pitchFamily="2" charset="2"/>
+              <a:buChar char="§"/>
+            </a:pPr>
+            <a:r>
+              <a:rPr lang="it-IT" sz="2400"/>
+              <a:t>La funzione ritorna il clustering migliore dal punto di vista dell’indice di Fuzzy Silhouette ma non sempre si usa solo questo valore per indicare la qualità dei risultati, potrebbero essere usati anche altri indici.</a:t>
+            </a:r>
+          </a:p>
+          <a:p>
+            <a:pPr>
+              <a:buFont typeface="Wingdings" panose="05000000000000000000" pitchFamily="2" charset="2"/>
+              <a:buChar char="§"/>
+            </a:pPr>
+            <a:r>
+              <a:rPr lang="it-IT" sz="2400"/>
+              <a:t>A parità (anche se in modo approssimato) di indici di Silhouette potremmo preferire altri algoritmi rispetto a FKM come FKM.gk o FKM.noise ed altri in quanto la presenza di cluster di forma non per forza sferica e la presenza di informazioni riguardo ai noise points potrebbe essere utile in certe applicazioni.</a:t>
+            </a:r>
+          </a:p>
+        </p:txBody>
+      </p:sp>
+    </p:spTree>
+    <p:extLst>
+      <p:ext uri="{BB962C8B-B14F-4D97-AF65-F5344CB8AC3E}">
+        <p14:creationId xmlns:p14="http://schemas.microsoft.com/office/powerpoint/2010/main" val="2179778999"/>
       </p:ext>
     </p:extLst>
   </p:cSld>
@@ -10500,6 +10589,166 @@
     <p:extLst>
       <p:ext uri="{BB962C8B-B14F-4D97-AF65-F5344CB8AC3E}">
         <p14:creationId xmlns:p14="http://schemas.microsoft.com/office/powerpoint/2010/main" val="1096647471"/>
+      </p:ext>
+    </p:extLst>
+  </p:cSld>
+  <p:clrMapOvr>
+    <a:masterClrMapping/>
+  </p:clrMapOvr>
+</p:sld>
+</file>
+
+<file path=ppt/slides/slide40.xml><?xml version="1.0" encoding="utf-8"?>
+<p:sld xmlns:a="http://schemas.openxmlformats.org/drawingml/2006/main" xmlns:r="http://schemas.openxmlformats.org/officeDocument/2006/relationships" xmlns:p="http://schemas.openxmlformats.org/presentationml/2006/main">
+  <p:cSld>
+    <p:spTree>
+      <p:nvGrpSpPr>
+        <p:cNvPr id="1" name=""/>
+        <p:cNvGrpSpPr/>
+        <p:nvPr/>
+      </p:nvGrpSpPr>
+      <p:grpSpPr>
+        <a:xfrm>
+          <a:off x="0" y="0"/>
+          <a:ext cx="0" cy="0"/>
+          <a:chOff x="0" y="0"/>
+          <a:chExt cx="0" cy="0"/>
+        </a:xfrm>
+      </p:grpSpPr>
+      <p:sp>
+        <p:nvSpPr>
+          <p:cNvPr id="2" name="Titolo 1">
+            <a:extLst>
+              <a:ext uri="{FF2B5EF4-FFF2-40B4-BE49-F238E27FC236}">
+                <a16:creationId xmlns:a16="http://schemas.microsoft.com/office/drawing/2014/main" id="{0CF92ED7-C9AC-41D5-BEB9-C9E2507E26C1}"/>
+              </a:ext>
+            </a:extLst>
+          </p:cNvPr>
+          <p:cNvSpPr>
+            <a:spLocks noGrp="1"/>
+          </p:cNvSpPr>
+          <p:nvPr>
+            <p:ph type="title"/>
+          </p:nvPr>
+        </p:nvSpPr>
+        <p:spPr/>
+        <p:txBody>
+          <a:bodyPr/>
+          <a:lstStyle/>
+          <a:p>
+            <a:r>
+              <a:rPr lang="it-IT"/>
+              <a:t>Riferimenti e approfondimenti </a:t>
+            </a:r>
+          </a:p>
+        </p:txBody>
+      </p:sp>
+      <p:sp>
+        <p:nvSpPr>
+          <p:cNvPr id="3" name="Segnaposto contenuto 2">
+            <a:extLst>
+              <a:ext uri="{FF2B5EF4-FFF2-40B4-BE49-F238E27FC236}">
+                <a16:creationId xmlns:a16="http://schemas.microsoft.com/office/drawing/2014/main" id="{643C074C-370B-4236-9D0C-03E4B6C8A6FF}"/>
+              </a:ext>
+            </a:extLst>
+          </p:cNvPr>
+          <p:cNvSpPr>
+            <a:spLocks noGrp="1"/>
+          </p:cNvSpPr>
+          <p:nvPr>
+            <p:ph idx="1"/>
+          </p:nvPr>
+        </p:nvSpPr>
+        <p:spPr/>
+        <p:txBody>
+          <a:bodyPr>
+            <a:normAutofit/>
+          </a:bodyPr>
+          <a:lstStyle/>
+          <a:p>
+            <a:pPr>
+              <a:buFont typeface="Wingdings" panose="05000000000000000000" pitchFamily="2" charset="2"/>
+              <a:buChar char="§"/>
+            </a:pPr>
+            <a:r>
+              <a:rPr lang="it-IT" sz="2400"/>
+              <a:t>Documentazione ufficiale di R</a:t>
+            </a:r>
+          </a:p>
+          <a:p>
+            <a:pPr>
+              <a:buFont typeface="Wingdings" panose="05000000000000000000" pitchFamily="2" charset="2"/>
+              <a:buChar char="§"/>
+            </a:pPr>
+            <a:r>
+              <a:rPr lang="it-IT" sz="2400"/>
+              <a:t>An introduction to Clustering with R, Giordani Paolo;Ferraro Maria Brigida; Martella Francesca</a:t>
+            </a:r>
+          </a:p>
+          <a:p>
+            <a:pPr>
+              <a:buFont typeface="Wingdings" panose="05000000000000000000" pitchFamily="2" charset="2"/>
+              <a:buChar char="§"/>
+            </a:pPr>
+            <a:r>
+              <a:rPr lang="it-IT" sz="2400">
+                <a:hlinkClick r:id="rId2"/>
+              </a:rPr>
+              <a:t>fclust: An R Package for Fuzzy Clustering</a:t>
+            </a:r>
+            <a:r>
+              <a:rPr lang="it-IT" sz="2400"/>
+              <a:t>, Giordani Paolo;Ferraro Maria Brigida; Martella Francesca</a:t>
+            </a:r>
+          </a:p>
+          <a:p>
+            <a:pPr>
+              <a:buFont typeface="Wingdings" panose="05000000000000000000" pitchFamily="2" charset="2"/>
+              <a:buChar char="§"/>
+            </a:pPr>
+            <a:r>
+              <a:rPr lang="en-US" sz="2400">
+                <a:hlinkClick r:id="rId3"/>
+              </a:rPr>
+              <a:t>Feature Selection with the Caret R Package</a:t>
+            </a:r>
+            <a:endParaRPr lang="en-US" sz="2400"/>
+          </a:p>
+          <a:p>
+            <a:pPr>
+              <a:buFont typeface="Wingdings" panose="05000000000000000000" pitchFamily="2" charset="2"/>
+              <a:buChar char="§"/>
+            </a:pPr>
+            <a:r>
+              <a:rPr lang="en-US" sz="2400">
+                <a:hlinkClick r:id="rId4"/>
+              </a:rPr>
+              <a:t>Logica fuzzy </a:t>
+            </a:r>
+            <a:r>
+              <a:rPr lang="en-US" sz="2400"/>
+              <a:t>, Giacomo Sacchi (pagina 28 – scelta del valore m)</a:t>
+            </a:r>
+          </a:p>
+          <a:p>
+            <a:pPr>
+              <a:buFont typeface="Wingdings" panose="05000000000000000000" pitchFamily="2" charset="2"/>
+              <a:buChar char="§"/>
+            </a:pPr>
+            <a:r>
+              <a:rPr lang="en-US" sz="2400">
+                <a:hlinkClick r:id="rId5"/>
+              </a:rPr>
+              <a:t>Analisi delle componenti principali</a:t>
+            </a:r>
+            <a:endParaRPr lang="it-IT" sz="2400"/>
+          </a:p>
+        </p:txBody>
+      </p:sp>
+    </p:spTree>
+    <p:extLst>
+      <p:ext uri="{BB962C8B-B14F-4D97-AF65-F5344CB8AC3E}">
+        <p14:creationId xmlns:p14="http://schemas.microsoft.com/office/powerpoint/2010/main" val="4073287295"/>
       </p:ext>
     </p:extLst>
   </p:cSld>

--- a/relazione.pptx
+++ b/relazione.pptx
@@ -30,7 +30,7 @@
     <p:sldId id="326" r:id="rId24"/>
     <p:sldId id="327" r:id="rId25"/>
     <p:sldId id="328" r:id="rId26"/>
-    <p:sldId id="329" r:id="rId27"/>
+    <p:sldId id="344" r:id="rId27"/>
     <p:sldId id="330" r:id="rId28"/>
     <p:sldId id="331" r:id="rId29"/>
     <p:sldId id="332" r:id="rId30"/>
@@ -2759,7 +2759,7 @@
           <a:p>
             <a:fld id="{D478EEAB-D62E-4B64-81A9-A8EE0DEB58FD}" type="datetimeFigureOut">
               <a:rPr lang="it-IT" smtClean="0"/>
-              <a:t>01/03/2022</a:t>
+              <a:t>02/03/2022</a:t>
             </a:fld>
             <a:endParaRPr lang="it-IT"/>
           </a:p>
@@ -2967,7 +2967,7 @@
           <a:p>
             <a:fld id="{D478EEAB-D62E-4B64-81A9-A8EE0DEB58FD}" type="datetimeFigureOut">
               <a:rPr lang="it-IT" smtClean="0"/>
-              <a:t>01/03/2022</a:t>
+              <a:t>02/03/2022</a:t>
             </a:fld>
             <a:endParaRPr lang="it-IT"/>
           </a:p>
@@ -3223,7 +3223,7 @@
           <a:p>
             <a:fld id="{D478EEAB-D62E-4B64-81A9-A8EE0DEB58FD}" type="datetimeFigureOut">
               <a:rPr lang="it-IT" smtClean="0"/>
-              <a:t>01/03/2022</a:t>
+              <a:t>02/03/2022</a:t>
             </a:fld>
             <a:endParaRPr lang="it-IT"/>
           </a:p>
@@ -3397,7 +3397,7 @@
           <a:p>
             <a:fld id="{D478EEAB-D62E-4B64-81A9-A8EE0DEB58FD}" type="datetimeFigureOut">
               <a:rPr lang="it-IT" smtClean="0"/>
-              <a:t>01/03/2022</a:t>
+              <a:t>02/03/2022</a:t>
             </a:fld>
             <a:endParaRPr lang="it-IT"/>
           </a:p>
@@ -3740,7 +3740,7 @@
           <a:p>
             <a:fld id="{D478EEAB-D62E-4B64-81A9-A8EE0DEB58FD}" type="datetimeFigureOut">
               <a:rPr lang="it-IT" smtClean="0"/>
-              <a:t>01/03/2022</a:t>
+              <a:t>02/03/2022</a:t>
             </a:fld>
             <a:endParaRPr lang="it-IT"/>
           </a:p>
@@ -4015,7 +4015,7 @@
           <a:p>
             <a:fld id="{D478EEAB-D62E-4B64-81A9-A8EE0DEB58FD}" type="datetimeFigureOut">
               <a:rPr lang="it-IT" smtClean="0"/>
-              <a:t>01/03/2022</a:t>
+              <a:t>02/03/2022</a:t>
             </a:fld>
             <a:endParaRPr lang="it-IT"/>
           </a:p>
@@ -4394,7 +4394,7 @@
           <a:p>
             <a:fld id="{D478EEAB-D62E-4B64-81A9-A8EE0DEB58FD}" type="datetimeFigureOut">
               <a:rPr lang="it-IT" smtClean="0"/>
-              <a:t>01/03/2022</a:t>
+              <a:t>02/03/2022</a:t>
             </a:fld>
             <a:endParaRPr lang="it-IT"/>
           </a:p>
@@ -4512,7 +4512,7 @@
           <a:p>
             <a:fld id="{D478EEAB-D62E-4B64-81A9-A8EE0DEB58FD}" type="datetimeFigureOut">
               <a:rPr lang="it-IT" smtClean="0"/>
-              <a:t>01/03/2022</a:t>
+              <a:t>02/03/2022</a:t>
             </a:fld>
             <a:endParaRPr lang="it-IT"/>
           </a:p>
@@ -4683,7 +4683,7 @@
           <a:p>
             <a:fld id="{D478EEAB-D62E-4B64-81A9-A8EE0DEB58FD}" type="datetimeFigureOut">
               <a:rPr lang="it-IT" smtClean="0"/>
-              <a:t>01/03/2022</a:t>
+              <a:t>02/03/2022</a:t>
             </a:fld>
             <a:endParaRPr lang="it-IT"/>
           </a:p>
@@ -5037,7 +5037,7 @@
           <a:p>
             <a:fld id="{D478EEAB-D62E-4B64-81A9-A8EE0DEB58FD}" type="datetimeFigureOut">
               <a:rPr lang="it-IT" smtClean="0"/>
-              <a:t>01/03/2022</a:t>
+              <a:t>02/03/2022</a:t>
             </a:fld>
             <a:endParaRPr lang="it-IT"/>
           </a:p>
@@ -5419,7 +5419,7 @@
           <a:p>
             <a:fld id="{D478EEAB-D62E-4B64-81A9-A8EE0DEB58FD}" type="datetimeFigureOut">
               <a:rPr lang="it-IT" smtClean="0"/>
-              <a:t>01/03/2022</a:t>
+              <a:t>02/03/2022</a:t>
             </a:fld>
             <a:endParaRPr lang="it-IT"/>
           </a:p>
@@ -5706,7 +5706,7 @@
           <a:p>
             <a:fld id="{D478EEAB-D62E-4B64-81A9-A8EE0DEB58FD}" type="datetimeFigureOut">
               <a:rPr lang="it-IT" smtClean="0"/>
-              <a:t>01/03/2022</a:t>
+              <a:t>02/03/2022</a:t>
             </a:fld>
             <a:endParaRPr lang="it-IT"/>
           </a:p>
@@ -7318,69 +7318,145 @@
           </a:p>
         </p:txBody>
       </p:sp>
-      <p:sp>
-        <p:nvSpPr>
-          <p:cNvPr id="3" name="Segnaposto contenuto 2">
-            <a:extLst>
-              <a:ext uri="{FF2B5EF4-FFF2-40B4-BE49-F238E27FC236}">
-                <a16:creationId xmlns:a16="http://schemas.microsoft.com/office/drawing/2014/main" id="{02D6556C-D472-4C1E-83A6-3E5C2AD4621A}"/>
-              </a:ext>
-            </a:extLst>
-          </p:cNvPr>
-          <p:cNvSpPr>
-            <a:spLocks noGrp="1"/>
-          </p:cNvSpPr>
-          <p:nvPr>
-            <p:ph idx="1"/>
-          </p:nvPr>
-        </p:nvSpPr>
-        <p:spPr/>
-        <p:txBody>
-          <a:bodyPr>
-            <a:normAutofit/>
-          </a:bodyPr>
-          <a:lstStyle/>
-          <a:p>
-            <a:r>
-              <a:rPr lang="it-IT" sz="2400"/>
-              <a:t>La sua definizione è molto simile a quella del centroide nell’hard clustering con la differenza che qui ogni oggetto nella formula avrà un peso definito dal suo grado di appartenenza.</a:t>
-            </a:r>
-          </a:p>
-          <a:p>
-            <a:r>
-              <a:rPr lang="it-IT" sz="2400"/>
-              <a:t>Il centroide del cluster k-esimo indicato con ck si calcola con questa formula:</a:t>
-            </a:r>
-          </a:p>
-          <a:p>
-            <a:endParaRPr lang="it-IT" sz="2400"/>
-          </a:p>
-          <a:p>
-            <a:endParaRPr lang="it-IT" sz="2400"/>
-          </a:p>
-          <a:p>
-            <a:r>
-              <a:rPr lang="it-IT" sz="2400"/>
-              <a:t>Dove wk(x) è il grado di appartenenza di x al cluster k e m è un iperparametro che col suo valore determina quanto sarà «sfocato» il cluster, determina dunque quanto è o non è simile a un hard clustering</a:t>
-            </a:r>
-          </a:p>
-          <a:p>
-            <a:endParaRPr lang="it-IT" sz="2400"/>
-          </a:p>
-          <a:p>
-            <a:endParaRPr lang="it-IT" sz="2400" u="sng"/>
-          </a:p>
-          <a:p>
-            <a:endParaRPr lang="it-IT" sz="2400" u="sng"/>
-          </a:p>
-          <a:p>
-            <a:endParaRPr lang="it-IT" sz="2400" u="sng"/>
-          </a:p>
-          <a:p>
-            <a:endParaRPr lang="it-IT" sz="2400"/>
-          </a:p>
-        </p:txBody>
-      </p:sp>
+      <mc:AlternateContent xmlns:mc="http://schemas.openxmlformats.org/markup-compatibility/2006" xmlns:a14="http://schemas.microsoft.com/office/drawing/2010/main">
+        <mc:Choice Requires="a14">
+          <p:sp>
+            <p:nvSpPr>
+              <p:cNvPr id="3" name="Segnaposto contenuto 2">
+                <a:extLst>
+                  <a:ext uri="{FF2B5EF4-FFF2-40B4-BE49-F238E27FC236}">
+                    <a16:creationId xmlns:a16="http://schemas.microsoft.com/office/drawing/2014/main" id="{02D6556C-D472-4C1E-83A6-3E5C2AD4621A}"/>
+                  </a:ext>
+                </a:extLst>
+              </p:cNvPr>
+              <p:cNvSpPr>
+                <a:spLocks noGrp="1"/>
+              </p:cNvSpPr>
+              <p:nvPr>
+                <p:ph idx="1"/>
+              </p:nvPr>
+            </p:nvSpPr>
+            <p:spPr/>
+            <p:txBody>
+              <a:bodyPr>
+                <a:normAutofit/>
+              </a:bodyPr>
+              <a:lstStyle/>
+              <a:p>
+                <a:r>
+                  <a:rPr lang="it-IT" sz="2400"/>
+                  <a:t>La sua definizione è molto simile a quella del centroide nell’hard clustering con la differenza che qui ogni oggetto nella formula avrà un peso definito dal suo grado di appartenenza.</a:t>
+                </a:r>
+              </a:p>
+              <a:p>
+                <a:r>
+                  <a:rPr lang="it-IT" sz="2400"/>
+                  <a:t>Il centroide del cluster k-esimo indicato con ck si calcola con questa formula:</a:t>
+                </a:r>
+              </a:p>
+              <a:p>
+                <a:endParaRPr lang="it-IT" sz="2400"/>
+              </a:p>
+              <a:p>
+                <a:endParaRPr lang="it-IT" sz="2400"/>
+              </a:p>
+              <a:p>
+                <a:r>
+                  <a:rPr lang="it-IT" sz="2400"/>
+                  <a:t>Dove </a:t>
+                </a:r>
+                <a14:m>
+                  <m:oMath xmlns:m="http://schemas.openxmlformats.org/officeDocument/2006/math">
+                    <m:sSub>
+                      <m:sSubPr>
+                        <m:ctrlPr>
+                          <a:rPr lang="it-IT" sz="2400" i="1" smtClean="0">
+                            <a:latin typeface="Cambria Math" panose="02040503050406030204" pitchFamily="18" charset="0"/>
+                          </a:rPr>
+                        </m:ctrlPr>
+                      </m:sSubPr>
+                      <m:e>
+                        <m:r>
+                          <a:rPr lang="it-IT" sz="2400" i="1">
+                            <a:latin typeface="Cambria Math" panose="02040503050406030204" pitchFamily="18" charset="0"/>
+                          </a:rPr>
+                          <m:t>𝑤</m:t>
+                        </m:r>
+                      </m:e>
+                      <m:sub>
+                        <m:r>
+                          <a:rPr lang="it-IT" sz="2400" b="0" i="1" smtClean="0">
+                            <a:latin typeface="Cambria Math" panose="02040503050406030204" pitchFamily="18" charset="0"/>
+                          </a:rPr>
+                          <m:t>𝑘</m:t>
+                        </m:r>
+                      </m:sub>
+                    </m:sSub>
+                  </m:oMath>
+                </a14:m>
+                <a:r>
+                  <a:rPr lang="it-IT" sz="2400"/>
+                  <a:t>(x) è il grado di appartenenza di x al cluster k e m è un iperparametro che col suo valore determina quanto sarà «sfocato» il cluster, determina dunque quanto è o non è simile a un hard clustering</a:t>
+                </a:r>
+              </a:p>
+              <a:p>
+                <a:endParaRPr lang="it-IT" sz="2400"/>
+              </a:p>
+              <a:p>
+                <a:endParaRPr lang="it-IT" sz="2400" u="sng"/>
+              </a:p>
+              <a:p>
+                <a:endParaRPr lang="it-IT" sz="2400" u="sng"/>
+              </a:p>
+              <a:p>
+                <a:endParaRPr lang="it-IT" sz="2400" u="sng"/>
+              </a:p>
+              <a:p>
+                <a:endParaRPr lang="it-IT" sz="2400"/>
+              </a:p>
+            </p:txBody>
+          </p:sp>
+        </mc:Choice>
+        <mc:Fallback xmlns="">
+          <p:sp>
+            <p:nvSpPr>
+              <p:cNvPr id="3" name="Segnaposto contenuto 2">
+                <a:extLst>
+                  <a:ext uri="{FF2B5EF4-FFF2-40B4-BE49-F238E27FC236}">
+                    <a16:creationId xmlns:a16="http://schemas.microsoft.com/office/drawing/2014/main" id="{02D6556C-D472-4C1E-83A6-3E5C2AD4621A}"/>
+                  </a:ext>
+                </a:extLst>
+              </p:cNvPr>
+              <p:cNvSpPr>
+                <a:spLocks noGrp="1" noRot="1" noChangeAspect="1" noMove="1" noResize="1" noEditPoints="1" noAdjustHandles="1" noChangeArrowheads="1" noChangeShapeType="1" noTextEdit="1"/>
+              </p:cNvSpPr>
+              <p:nvPr>
+                <p:ph idx="1"/>
+              </p:nvPr>
+            </p:nvSpPr>
+            <p:spPr>
+              <a:blipFill>
+                <a:blip r:embed="rId2"/>
+                <a:stretch>
+                  <a:fillRect l="-909" t="-2121" r="-1818"/>
+                </a:stretch>
+              </a:blipFill>
+            </p:spPr>
+            <p:txBody>
+              <a:bodyPr/>
+              <a:lstStyle/>
+              <a:p>
+                <a:r>
+                  <a:rPr lang="it-IT">
+                    <a:noFill/>
+                  </a:rPr>
+                  <a:t> </a:t>
+                </a:r>
+              </a:p>
+            </p:txBody>
+          </p:sp>
+        </mc:Fallback>
+      </mc:AlternateContent>
       <p:pic>
         <p:nvPicPr>
           <p:cNvPr id="13" name="Elemento grafico 12">
@@ -7396,13 +7472,13 @@
           <p:nvPr/>
         </p:nvPicPr>
         <p:blipFill>
-          <a:blip r:embed="rId2">
+          <a:blip r:embed="rId3">
             <a:extLst>
               <a:ext uri="{28A0092B-C50C-407E-A947-70E740481C1C}">
                 <a14:useLocalDpi xmlns:a14="http://schemas.microsoft.com/office/drawing/2010/main" val="0"/>
               </a:ext>
               <a:ext uri="{96DAC541-7B7A-43D3-8B79-37D633B846F1}">
-                <asvg:svgBlip xmlns:asvg="http://schemas.microsoft.com/office/drawing/2016/SVG/main" r:embed="rId3"/>
+                <asvg:svgBlip xmlns:asvg="http://schemas.microsoft.com/office/drawing/2016/SVG/main" r:embed="rId4"/>
               </a:ext>
             </a:extLst>
           </a:blip>
@@ -7478,55 +7554,137 @@
           </a:p>
         </p:txBody>
       </p:sp>
-      <p:sp>
-        <p:nvSpPr>
-          <p:cNvPr id="3" name="Segnaposto contenuto 2">
-            <a:extLst>
-              <a:ext uri="{FF2B5EF4-FFF2-40B4-BE49-F238E27FC236}">
-                <a16:creationId xmlns:a16="http://schemas.microsoft.com/office/drawing/2014/main" id="{1BC3CB65-C01F-4B2F-ACE1-2C86600801F4}"/>
-              </a:ext>
-            </a:extLst>
-          </p:cNvPr>
-          <p:cNvSpPr>
-            <a:spLocks noGrp="1"/>
-          </p:cNvSpPr>
-          <p:nvPr>
-            <p:ph idx="1"/>
-          </p:nvPr>
-        </p:nvSpPr>
-        <p:spPr/>
-        <p:txBody>
-          <a:bodyPr>
-            <a:normAutofit/>
-          </a:bodyPr>
-          <a:lstStyle/>
-          <a:p>
-            <a:r>
-              <a:rPr lang="it-IT" sz="2400"/>
-              <a:t>Lo scopo dell’algoritmo è minimizzare una funzione obiettivo che sostanzialmente è una somma pesata delle distanze trai punti e i centroidi, i pesi sono determinati dai gradi di appartenenza.</a:t>
-            </a:r>
-          </a:p>
-          <a:p>
-            <a:endParaRPr lang="it-IT" sz="2400"/>
-          </a:p>
-          <a:p>
-            <a:endParaRPr lang="it-IT" sz="2400"/>
-          </a:p>
-          <a:p>
-            <a:r>
-              <a:rPr lang="it-IT" sz="2400"/>
-              <a:t>Dove wij è il grado di appartenenza dell’oggetto i-esimo al cluster j-esimo.</a:t>
-            </a:r>
-            <a:br>
-              <a:rPr lang="it-IT" sz="2400"/>
-            </a:br>
-            <a:r>
-              <a:rPr lang="it-IT" sz="2400"/>
-              <a:t>I gradi sono calcolati secondo questa formula</a:t>
-            </a:r>
-          </a:p>
-        </p:txBody>
-      </p:sp>
+      <mc:AlternateContent xmlns:mc="http://schemas.openxmlformats.org/markup-compatibility/2006" xmlns:a14="http://schemas.microsoft.com/office/drawing/2010/main">
+        <mc:Choice Requires="a14">
+          <p:sp>
+            <p:nvSpPr>
+              <p:cNvPr id="3" name="Segnaposto contenuto 2">
+                <a:extLst>
+                  <a:ext uri="{FF2B5EF4-FFF2-40B4-BE49-F238E27FC236}">
+                    <a16:creationId xmlns:a16="http://schemas.microsoft.com/office/drawing/2014/main" id="{1BC3CB65-C01F-4B2F-ACE1-2C86600801F4}"/>
+                  </a:ext>
+                </a:extLst>
+              </p:cNvPr>
+              <p:cNvSpPr>
+                <a:spLocks noGrp="1"/>
+              </p:cNvSpPr>
+              <p:nvPr>
+                <p:ph idx="1"/>
+              </p:nvPr>
+            </p:nvSpPr>
+            <p:spPr/>
+            <p:txBody>
+              <a:bodyPr>
+                <a:normAutofit/>
+              </a:bodyPr>
+              <a:lstStyle/>
+              <a:p>
+                <a:r>
+                  <a:rPr lang="it-IT" sz="2400"/>
+                  <a:t>Lo scopo dell’algoritmo è minimizzare una funzione obiettivo che sostanzialmente è una somma pesata delle distanze trai punti e i centroidi, i pesi sono determinati dai gradi di appartenenza.</a:t>
+                </a:r>
+              </a:p>
+              <a:p>
+                <a:endParaRPr lang="it-IT" sz="2400"/>
+              </a:p>
+              <a:p>
+                <a:endParaRPr lang="it-IT" sz="2400"/>
+              </a:p>
+              <a:p>
+                <a:r>
+                  <a:rPr lang="it-IT" sz="2400"/>
+                  <a:t>Dove </a:t>
+                </a:r>
+                <a14:m>
+                  <m:oMath xmlns:m="http://schemas.openxmlformats.org/officeDocument/2006/math">
+                    <m:sSub>
+                      <m:sSubPr>
+                        <m:ctrlPr>
+                          <a:rPr lang="it-IT" sz="2400" i="1" smtClean="0">
+                            <a:latin typeface="Cambria Math" panose="02040503050406030204" pitchFamily="18" charset="0"/>
+                          </a:rPr>
+                        </m:ctrlPr>
+                      </m:sSubPr>
+                      <m:e>
+                        <m:r>
+                          <a:rPr lang="it-IT" sz="2400" i="1">
+                            <a:latin typeface="Cambria Math" panose="02040503050406030204" pitchFamily="18" charset="0"/>
+                          </a:rPr>
+                          <m:t>𝑤</m:t>
+                        </m:r>
+                      </m:e>
+                      <m:sub>
+                        <m:r>
+                          <a:rPr lang="it-IT" sz="2400" i="1">
+                            <a:latin typeface="Cambria Math" panose="02040503050406030204" pitchFamily="18" charset="0"/>
+                          </a:rPr>
+                          <m:t>𝑖𝑗</m:t>
+                        </m:r>
+                      </m:sub>
+                    </m:sSub>
+                    <m:r>
+                      <a:rPr lang="it-IT" sz="2400" i="1">
+                        <a:latin typeface="Cambria Math" panose="02040503050406030204" pitchFamily="18" charset="0"/>
+                      </a:rPr>
+                      <m:t> </m:t>
+                    </m:r>
+                  </m:oMath>
+                </a14:m>
+                <a:r>
+                  <a:rPr lang="it-IT" sz="2400"/>
+                  <a:t>è il grado di appartenenza dell’oggetto i-esimo al cluster j-esimo.</a:t>
+                </a:r>
+                <a:br>
+                  <a:rPr lang="it-IT" sz="2400"/>
+                </a:br>
+                <a:r>
+                  <a:rPr lang="it-IT" sz="2400"/>
+                  <a:t>I gradi sono calcolati secondo questa formula</a:t>
+                </a:r>
+              </a:p>
+            </p:txBody>
+          </p:sp>
+        </mc:Choice>
+        <mc:Fallback xmlns="">
+          <p:sp>
+            <p:nvSpPr>
+              <p:cNvPr id="3" name="Segnaposto contenuto 2">
+                <a:extLst>
+                  <a:ext uri="{FF2B5EF4-FFF2-40B4-BE49-F238E27FC236}">
+                    <a16:creationId xmlns:a16="http://schemas.microsoft.com/office/drawing/2014/main" id="{1BC3CB65-C01F-4B2F-ACE1-2C86600801F4}"/>
+                  </a:ext>
+                </a:extLst>
+              </p:cNvPr>
+              <p:cNvSpPr>
+                <a:spLocks noGrp="1" noRot="1" noChangeAspect="1" noMove="1" noResize="1" noEditPoints="1" noAdjustHandles="1" noChangeArrowheads="1" noChangeShapeType="1" noTextEdit="1"/>
+              </p:cNvSpPr>
+              <p:nvPr>
+                <p:ph idx="1"/>
+              </p:nvPr>
+            </p:nvSpPr>
+            <p:spPr>
+              <a:blipFill>
+                <a:blip r:embed="rId2"/>
+                <a:stretch>
+                  <a:fillRect l="-909" t="-2121" r="-1879"/>
+                </a:stretch>
+              </a:blipFill>
+            </p:spPr>
+            <p:txBody>
+              <a:bodyPr/>
+              <a:lstStyle/>
+              <a:p>
+                <a:r>
+                  <a:rPr lang="it-IT">
+                    <a:noFill/>
+                  </a:rPr>
+                  <a:t> </a:t>
+                </a:r>
+              </a:p>
+            </p:txBody>
+          </p:sp>
+        </mc:Fallback>
+      </mc:AlternateContent>
       <p:pic>
         <p:nvPicPr>
           <p:cNvPr id="5" name="Elemento grafico 4">
@@ -7542,13 +7700,13 @@
           <p:nvPr/>
         </p:nvPicPr>
         <p:blipFill>
-          <a:blip r:embed="rId2">
+          <a:blip r:embed="rId3">
             <a:extLst>
               <a:ext uri="{28A0092B-C50C-407E-A947-70E740481C1C}">
                 <a14:useLocalDpi xmlns:a14="http://schemas.microsoft.com/office/drawing/2010/main" val="0"/>
               </a:ext>
               <a:ext uri="{96DAC541-7B7A-43D3-8B79-37D633B846F1}">
-                <asvg:svgBlip xmlns:asvg="http://schemas.microsoft.com/office/drawing/2016/SVG/main" r:embed="rId3"/>
+                <asvg:svgBlip xmlns:asvg="http://schemas.microsoft.com/office/drawing/2016/SVG/main" r:embed="rId4"/>
               </a:ext>
             </a:extLst>
           </a:blip>
@@ -7558,8 +7716,8 @@
         </p:blipFill>
         <p:spPr>
           <a:xfrm>
-            <a:off x="4146232" y="3023747"/>
-            <a:ext cx="3373963" cy="810505"/>
+            <a:off x="3344128" y="2964362"/>
+            <a:ext cx="3868378" cy="929275"/>
           </a:xfrm>
           <a:prstGeom prst="rect">
             <a:avLst/>
@@ -7581,13 +7739,13 @@
           <p:nvPr/>
         </p:nvPicPr>
         <p:blipFill>
-          <a:blip r:embed="rId4">
+          <a:blip r:embed="rId5">
             <a:extLst>
               <a:ext uri="{28A0092B-C50C-407E-A947-70E740481C1C}">
                 <a14:useLocalDpi xmlns:a14="http://schemas.microsoft.com/office/drawing/2010/main" val="0"/>
               </a:ext>
               <a:ext uri="{96DAC541-7B7A-43D3-8B79-37D633B846F1}">
-                <asvg:svgBlip xmlns:asvg="http://schemas.microsoft.com/office/drawing/2016/SVG/main" r:embed="rId5"/>
+                <asvg:svgBlip xmlns:asvg="http://schemas.microsoft.com/office/drawing/2016/SVG/main" r:embed="rId6"/>
               </a:ext>
             </a:extLst>
           </a:blip>
@@ -8407,76 +8565,432 @@
           </a:p>
         </p:txBody>
       </p:sp>
-      <p:sp>
-        <p:nvSpPr>
-          <p:cNvPr id="3" name="Segnaposto contenuto 2">
-            <a:extLst>
-              <a:ext uri="{FF2B5EF4-FFF2-40B4-BE49-F238E27FC236}">
-                <a16:creationId xmlns:a16="http://schemas.microsoft.com/office/drawing/2014/main" id="{9E4784DC-D2D9-4839-8AC4-CBC8F2418DBB}"/>
-              </a:ext>
-            </a:extLst>
-          </p:cNvPr>
-          <p:cNvSpPr>
-            <a:spLocks noGrp="1"/>
-          </p:cNvSpPr>
-          <p:nvPr>
-            <p:ph idx="1"/>
-          </p:nvPr>
-        </p:nvSpPr>
-        <p:spPr/>
-        <p:txBody>
-          <a:bodyPr>
-            <a:normAutofit/>
-          </a:bodyPr>
-          <a:lstStyle/>
-          <a:p>
-            <a:r>
-              <a:rPr lang="it-IT" sz="2400"/>
-              <a:t>In questa variante il fuzzifier m non è più presente nella </a:t>
-            </a:r>
-            <a:r>
-              <a:rPr lang="it-IT" sz="2400">
-                <a:hlinkClick r:id="rId2" action="ppaction://hlinksldjump"/>
-              </a:rPr>
-              <a:t>formula</a:t>
-            </a:r>
-            <a:r>
-              <a:rPr lang="it-IT" sz="2400"/>
-              <a:t>, per calcolare il peso della distanza tra centroide e punto usiamo una formula polinomiale dipendente dal grado di appartenenza.</a:t>
-            </a:r>
-            <a:endParaRPr lang="it-IT" sz="2400" u="sng"/>
-          </a:p>
-          <a:p>
-            <a:r>
-              <a:rPr lang="it-IT" sz="2400"/>
-              <a:t>h(wij) = (1-beta)/(1+beta) * wij^2 + 2beta/(1+beta) * wij</a:t>
-            </a:r>
-            <a:br>
-              <a:rPr lang="it-IT" sz="2400"/>
-            </a:br>
-            <a:r>
-              <a:rPr lang="it-IT" sz="2400"/>
-              <a:t>beta è un valore reale tra 0 e 1, se è vicino a 0 l’algoritmo tende a coincidere con la versione di base con m=2, se è vicino a 1 l’algoritmo tende a coincidere con l’hard clustering</a:t>
-            </a:r>
-          </a:p>
-          <a:p>
-            <a:r>
-              <a:rPr lang="it-IT" sz="2400"/>
-              <a:t>h(wij) andrà a pesare la distanza nella formula.</a:t>
-            </a:r>
-          </a:p>
-          <a:p>
-            <a:r>
-              <a:rPr lang="it-IT" sz="2400"/>
-              <a:t>Non essendo definito m non vi è implementazione che permetta di fare regolarizzazione dell’entropia, si può però estendere per i noise points.</a:t>
-            </a:r>
-          </a:p>
-        </p:txBody>
-      </p:sp>
+      <mc:AlternateContent xmlns:mc="http://schemas.openxmlformats.org/markup-compatibility/2006" xmlns:a14="http://schemas.microsoft.com/office/drawing/2010/main">
+        <mc:Choice Requires="a14">
+          <p:sp>
+            <p:nvSpPr>
+              <p:cNvPr id="3" name="Segnaposto contenuto 2">
+                <a:extLst>
+                  <a:ext uri="{FF2B5EF4-FFF2-40B4-BE49-F238E27FC236}">
+                    <a16:creationId xmlns:a16="http://schemas.microsoft.com/office/drawing/2014/main" id="{9E4784DC-D2D9-4839-8AC4-CBC8F2418DBB}"/>
+                  </a:ext>
+                </a:extLst>
+              </p:cNvPr>
+              <p:cNvSpPr>
+                <a:spLocks noGrp="1"/>
+              </p:cNvSpPr>
+              <p:nvPr>
+                <p:ph idx="1"/>
+              </p:nvPr>
+            </p:nvSpPr>
+            <p:spPr>
+              <a:xfrm>
+                <a:off x="1097280" y="1845733"/>
+                <a:ext cx="10058400" cy="4428457"/>
+              </a:xfrm>
+            </p:spPr>
+            <p:txBody>
+              <a:bodyPr>
+                <a:noAutofit/>
+              </a:bodyPr>
+              <a:lstStyle/>
+              <a:p>
+                <a:r>
+                  <a:rPr lang="it-IT" sz="2400"/>
+                  <a:t>In questa variante il fuzzifier m non è più presente nella </a:t>
+                </a:r>
+                <a:r>
+                  <a:rPr lang="it-IT" sz="2400">
+                    <a:hlinkClick r:id="rId2" action="ppaction://hlinksldjump"/>
+                  </a:rPr>
+                  <a:t>formula</a:t>
+                </a:r>
+                <a:r>
+                  <a:rPr lang="it-IT" sz="2400"/>
+                  <a:t>, per calcolare il peso della distanza tra centroide e punto usiamo una formula polinomiale dipendente dal grado di appartenenza.</a:t>
+                </a:r>
+                <a:endParaRPr lang="it-IT" sz="2400" u="sng"/>
+              </a:p>
+              <a:p>
+                <a:pPr marL="0" indent="0">
+                  <a:buNone/>
+                </a:pPr>
+                <a14:m>
+                  <m:oMathPara xmlns:m="http://schemas.openxmlformats.org/officeDocument/2006/math">
+                    <m:oMathParaPr>
+                      <m:jc m:val="centerGroup"/>
+                    </m:oMathParaPr>
+                    <m:oMath xmlns:m="http://schemas.openxmlformats.org/officeDocument/2006/math">
+                      <m:r>
+                        <m:rPr>
+                          <m:nor/>
+                        </m:rPr>
+                        <a:rPr lang="it-IT" sz="2400" smtClean="0"/>
+                        <m:t>h</m:t>
+                      </m:r>
+                      <m:r>
+                        <m:rPr>
+                          <m:nor/>
+                        </m:rPr>
+                        <a:rPr lang="it-IT" sz="2400" smtClean="0"/>
+                        <m:t>(</m:t>
+                      </m:r>
+                      <m:sSub>
+                        <m:sSubPr>
+                          <m:ctrlPr>
+                            <a:rPr lang="it-IT" sz="2400" i="1">
+                              <a:latin typeface="Cambria Math" panose="02040503050406030204" pitchFamily="18" charset="0"/>
+                            </a:rPr>
+                          </m:ctrlPr>
+                        </m:sSubPr>
+                        <m:e>
+                          <m:r>
+                            <a:rPr lang="it-IT" sz="2400" i="1">
+                              <a:latin typeface="Cambria Math" panose="02040503050406030204" pitchFamily="18" charset="0"/>
+                            </a:rPr>
+                            <m:t>𝑤</m:t>
+                          </m:r>
+                        </m:e>
+                        <m:sub>
+                          <m:r>
+                            <a:rPr lang="it-IT" sz="2400" i="1">
+                              <a:latin typeface="Cambria Math" panose="02040503050406030204" pitchFamily="18" charset="0"/>
+                            </a:rPr>
+                            <m:t>𝑖𝑗</m:t>
+                          </m:r>
+                        </m:sub>
+                      </m:sSub>
+                      <m:r>
+                        <m:rPr>
+                          <m:nor/>
+                        </m:rPr>
+                        <a:rPr lang="it-IT" sz="2400" smtClean="0"/>
+                        <m:t>) = </m:t>
+                      </m:r>
+                      <m:f>
+                        <m:fPr>
+                          <m:ctrlPr>
+                            <a:rPr lang="it-IT" sz="2400" i="1" smtClean="0">
+                              <a:latin typeface="Cambria Math" panose="02040503050406030204" pitchFamily="18" charset="0"/>
+                            </a:rPr>
+                          </m:ctrlPr>
+                        </m:fPr>
+                        <m:num>
+                          <m:r>
+                            <m:rPr>
+                              <m:nor/>
+                            </m:rPr>
+                            <a:rPr lang="it-IT" sz="2400"/>
+                            <m:t>(1−</m:t>
+                          </m:r>
+                          <m:r>
+                            <m:rPr>
+                              <m:sty m:val="p"/>
+                            </m:rPr>
+                            <a:rPr lang="el-GR" sz="2400" i="1">
+                              <a:latin typeface="Cambria Math" panose="02040503050406030204" pitchFamily="18" charset="0"/>
+                            </a:rPr>
+                            <m:t>β</m:t>
+                          </m:r>
+                          <m:r>
+                            <m:rPr>
+                              <m:nor/>
+                            </m:rPr>
+                            <a:rPr lang="it-IT" sz="2400"/>
+                            <m:t>)</m:t>
+                          </m:r>
+                        </m:num>
+                        <m:den>
+                          <m:r>
+                            <m:rPr>
+                              <m:nor/>
+                            </m:rPr>
+                            <a:rPr lang="it-IT" sz="2400"/>
+                            <m:t>(1+</m:t>
+                          </m:r>
+                          <m:r>
+                            <m:rPr>
+                              <m:sty m:val="p"/>
+                            </m:rPr>
+                            <a:rPr lang="it-IT" sz="2400" i="1">
+                              <a:latin typeface="Cambria Math" panose="02040503050406030204" pitchFamily="18" charset="0"/>
+                            </a:rPr>
+                            <m:t>β</m:t>
+                          </m:r>
+                          <m:r>
+                            <m:rPr>
+                              <m:nor/>
+                            </m:rPr>
+                            <a:rPr lang="it-IT" sz="2400"/>
+                            <m:t>)</m:t>
+                          </m:r>
+                        </m:den>
+                      </m:f>
+                      <m:r>
+                        <m:rPr>
+                          <m:nor/>
+                        </m:rPr>
+                        <a:rPr lang="it-IT" sz="2400"/>
+                        <m:t>×</m:t>
+                      </m:r>
+                      <m:r>
+                        <m:rPr>
+                          <m:nor/>
+                        </m:rPr>
+                        <a:rPr lang="it-IT" sz="2400" b="0" i="0" smtClean="0"/>
+                        <m:t> </m:t>
+                      </m:r>
+                      <m:sSubSup>
+                        <m:sSubSupPr>
+                          <m:ctrlPr>
+                            <a:rPr lang="it-IT" sz="2400" i="1" smtClean="0">
+                              <a:latin typeface="Cambria Math" panose="02040503050406030204" pitchFamily="18" charset="0"/>
+                            </a:rPr>
+                          </m:ctrlPr>
+                        </m:sSubSupPr>
+                        <m:e>
+                          <m:r>
+                            <a:rPr lang="it-IT" sz="2400" b="0" i="1" smtClean="0">
+                              <a:latin typeface="Cambria Math" panose="02040503050406030204" pitchFamily="18" charset="0"/>
+                            </a:rPr>
+                            <m:t>𝑤</m:t>
+                          </m:r>
+                        </m:e>
+                        <m:sub>
+                          <m:r>
+                            <a:rPr lang="it-IT" sz="2400" b="0" i="1" smtClean="0">
+                              <a:latin typeface="Cambria Math" panose="02040503050406030204" pitchFamily="18" charset="0"/>
+                            </a:rPr>
+                            <m:t>𝑖𝑗</m:t>
+                          </m:r>
+                        </m:sub>
+                        <m:sup>
+                          <m:r>
+                            <a:rPr lang="it-IT" sz="2400" b="0" i="1" smtClean="0">
+                              <a:latin typeface="Cambria Math" panose="02040503050406030204" pitchFamily="18" charset="0"/>
+                            </a:rPr>
+                            <m:t>2</m:t>
+                          </m:r>
+                        </m:sup>
+                      </m:sSubSup>
+                      <m:r>
+                        <m:rPr>
+                          <m:nor/>
+                        </m:rPr>
+                        <a:rPr lang="it-IT" sz="2400"/>
+                        <m:t> + </m:t>
+                      </m:r>
+                      <m:f>
+                        <m:fPr>
+                          <m:ctrlPr>
+                            <a:rPr lang="it-IT" sz="2400" i="1" smtClean="0">
+                              <a:latin typeface="Cambria Math" panose="02040503050406030204" pitchFamily="18" charset="0"/>
+                            </a:rPr>
+                          </m:ctrlPr>
+                        </m:fPr>
+                        <m:num>
+                          <m:r>
+                            <m:rPr>
+                              <m:nor/>
+                            </m:rPr>
+                            <a:rPr lang="it-IT" sz="2400"/>
+                            <m:t>2</m:t>
+                          </m:r>
+                          <m:r>
+                            <m:rPr>
+                              <m:sty m:val="p"/>
+                            </m:rPr>
+                            <a:rPr lang="it-IT" sz="2400" i="1">
+                              <a:latin typeface="Cambria Math" panose="02040503050406030204" pitchFamily="18" charset="0"/>
+                            </a:rPr>
+                            <m:t>β</m:t>
+                          </m:r>
+                        </m:num>
+                        <m:den>
+                          <m:r>
+                            <m:rPr>
+                              <m:nor/>
+                            </m:rPr>
+                            <a:rPr lang="it-IT" sz="2400"/>
+                            <m:t>(1+</m:t>
+                          </m:r>
+                          <m:r>
+                            <m:rPr>
+                              <m:sty m:val="p"/>
+                            </m:rPr>
+                            <a:rPr lang="it-IT" sz="2400" i="1">
+                              <a:latin typeface="Cambria Math" panose="02040503050406030204" pitchFamily="18" charset="0"/>
+                            </a:rPr>
+                            <m:t>β</m:t>
+                          </m:r>
+                          <m:r>
+                            <m:rPr>
+                              <m:nor/>
+                            </m:rPr>
+                            <a:rPr lang="it-IT" sz="2400"/>
+                            <m:t>)</m:t>
+                          </m:r>
+                        </m:den>
+                      </m:f>
+                      <m:r>
+                        <m:rPr>
+                          <m:nor/>
+                        </m:rPr>
+                        <a:rPr lang="it-IT" sz="2400"/>
+                        <m:t>×</m:t>
+                      </m:r>
+                      <m:r>
+                        <m:rPr>
+                          <m:nor/>
+                        </m:rPr>
+                        <a:rPr lang="it-IT" sz="2400" b="0" i="0" smtClean="0"/>
+                        <m:t> </m:t>
+                      </m:r>
+                      <m:sSub>
+                        <m:sSubPr>
+                          <m:ctrlPr>
+                            <a:rPr lang="it-IT" sz="2400" b="0" i="1" smtClean="0">
+                              <a:latin typeface="Cambria Math" panose="02040503050406030204" pitchFamily="18" charset="0"/>
+                            </a:rPr>
+                          </m:ctrlPr>
+                        </m:sSubPr>
+                        <m:e>
+                          <m:r>
+                            <a:rPr lang="it-IT" sz="2400" b="0" i="1" smtClean="0">
+                              <a:latin typeface="Cambria Math" panose="02040503050406030204" pitchFamily="18" charset="0"/>
+                            </a:rPr>
+                            <m:t>𝑤</m:t>
+                          </m:r>
+                        </m:e>
+                        <m:sub>
+                          <m:r>
+                            <a:rPr lang="it-IT" sz="2400" b="0" i="1" smtClean="0">
+                              <a:latin typeface="Cambria Math" panose="02040503050406030204" pitchFamily="18" charset="0"/>
+                            </a:rPr>
+                            <m:t>𝑖𝑗</m:t>
+                          </m:r>
+                        </m:sub>
+                      </m:sSub>
+                    </m:oMath>
+                  </m:oMathPara>
+                </a14:m>
+                <a:br>
+                  <a:rPr lang="it-IT" sz="2400"/>
+                </a:br>
+                <a14:m>
+                  <m:oMath xmlns:m="http://schemas.openxmlformats.org/officeDocument/2006/math">
+                    <m:r>
+                      <m:rPr>
+                        <m:sty m:val="p"/>
+                      </m:rPr>
+                      <a:rPr lang="it-IT" sz="2400" i="1">
+                        <a:latin typeface="Cambria Math" panose="02040503050406030204" pitchFamily="18" charset="0"/>
+                      </a:rPr>
+                      <m:t>β</m:t>
+                    </m:r>
+                  </m:oMath>
+                </a14:m>
+                <a:r>
+                  <a:rPr lang="it-IT" sz="2400"/>
+                  <a:t> è un valore reale tra 0 e 1, se è vicino a 0 l’algoritmo tende a coincidere con la versione di base con m=2, se è vicino a 1 l’algoritmo tende a coincidere con l’hard clustering</a:t>
+                </a:r>
+              </a:p>
+              <a:p>
+                <a:r>
+                  <a:rPr lang="it-IT" sz="2400"/>
+                  <a:t>h(</a:t>
+                </a:r>
+                <a14:m>
+                  <m:oMath xmlns:m="http://schemas.openxmlformats.org/officeDocument/2006/math">
+                    <m:sSub>
+                      <m:sSubPr>
+                        <m:ctrlPr>
+                          <a:rPr lang="it-IT" sz="2400" i="1" smtClean="0">
+                            <a:latin typeface="Cambria Math" panose="02040503050406030204" pitchFamily="18" charset="0"/>
+                          </a:rPr>
+                        </m:ctrlPr>
+                      </m:sSubPr>
+                      <m:e>
+                        <m:r>
+                          <a:rPr lang="it-IT" sz="2400" i="1">
+                            <a:latin typeface="Cambria Math" panose="02040503050406030204" pitchFamily="18" charset="0"/>
+                          </a:rPr>
+                          <m:t>𝑤</m:t>
+                        </m:r>
+                      </m:e>
+                      <m:sub>
+                        <m:r>
+                          <a:rPr lang="it-IT" sz="2400" i="1">
+                            <a:latin typeface="Cambria Math" panose="02040503050406030204" pitchFamily="18" charset="0"/>
+                          </a:rPr>
+                          <m:t>𝑖𝑗</m:t>
+                        </m:r>
+                      </m:sub>
+                    </m:sSub>
+                  </m:oMath>
+                </a14:m>
+                <a:r>
+                  <a:rPr lang="it-IT" sz="2400"/>
+                  <a:t>) andrà a pesare la distanza nella formula.</a:t>
+                </a:r>
+              </a:p>
+              <a:p>
+                <a:r>
+                  <a:rPr lang="it-IT" sz="2400"/>
+                  <a:t>Non essendo definito m non vi è implementazione che permetta di fare regolarizzazione dell’entropia, si può però estendere per i noise points.</a:t>
+                </a:r>
+              </a:p>
+            </p:txBody>
+          </p:sp>
+        </mc:Choice>
+        <mc:Fallback xmlns="">
+          <p:sp>
+            <p:nvSpPr>
+              <p:cNvPr id="3" name="Segnaposto contenuto 2">
+                <a:extLst>
+                  <a:ext uri="{FF2B5EF4-FFF2-40B4-BE49-F238E27FC236}">
+                    <a16:creationId xmlns:a16="http://schemas.microsoft.com/office/drawing/2014/main" id="{9E4784DC-D2D9-4839-8AC4-CBC8F2418DBB}"/>
+                  </a:ext>
+                </a:extLst>
+              </p:cNvPr>
+              <p:cNvSpPr>
+                <a:spLocks noGrp="1" noRot="1" noChangeAspect="1" noMove="1" noResize="1" noEditPoints="1" noAdjustHandles="1" noChangeArrowheads="1" noChangeShapeType="1" noTextEdit="1"/>
+              </p:cNvSpPr>
+              <p:nvPr>
+                <p:ph idx="1"/>
+              </p:nvPr>
+            </p:nvSpPr>
+            <p:spPr>
+              <a:xfrm>
+                <a:off x="1097280" y="1845733"/>
+                <a:ext cx="10058400" cy="4428457"/>
+              </a:xfrm>
+              <a:blipFill>
+                <a:blip r:embed="rId3"/>
+                <a:stretch>
+                  <a:fillRect l="-1818" t="-1928" r="-2303" b="-138"/>
+                </a:stretch>
+              </a:blipFill>
+            </p:spPr>
+            <p:txBody>
+              <a:bodyPr/>
+              <a:lstStyle/>
+              <a:p>
+                <a:r>
+                  <a:rPr lang="it-IT">
+                    <a:noFill/>
+                  </a:rPr>
+                  <a:t> </a:t>
+                </a:r>
+              </a:p>
+            </p:txBody>
+          </p:sp>
+        </mc:Fallback>
+      </mc:AlternateContent>
     </p:spTree>
     <p:extLst>
       <p:ext uri="{BB962C8B-B14F-4D97-AF65-F5344CB8AC3E}">
-        <p14:creationId xmlns:p14="http://schemas.microsoft.com/office/powerpoint/2010/main" val="1340018077"/>
+        <p14:creationId xmlns:p14="http://schemas.microsoft.com/office/powerpoint/2010/main" val="471038038"/>
       </p:ext>
     </p:extLst>
   </p:cSld>
@@ -9017,7 +9531,7 @@
           <a:p>
             <a:r>
               <a:rPr lang="it-IT" sz="2400"/>
-              <a:t>Un Fuzzy set, o insieme sfocato in italiano, è un’estensione degli insiemi che seguono le regole della teoria classica dell’insiemistica.</a:t>
+              <a:t>Un Fuzzy set, o insieme sfocato in Italiano, è un’estensione degli insiemi che seguono le regole della teoria classica dell’insiemistica.</a:t>
             </a:r>
           </a:p>
           <a:p>
@@ -9234,13 +9748,13 @@
         </p:nvSpPr>
         <p:spPr>
           <a:xfrm>
-            <a:off x="1097280" y="1845733"/>
-            <a:ext cx="10058400" cy="4456593"/>
+            <a:off x="1097279" y="1845733"/>
+            <a:ext cx="10424161" cy="4456593"/>
           </a:xfrm>
         </p:spPr>
         <p:txBody>
           <a:bodyPr>
-            <a:normAutofit lnSpcReduction="10000"/>
+            <a:normAutofit fontScale="92500" lnSpcReduction="20000"/>
           </a:bodyPr>
           <a:lstStyle/>
           <a:p>
@@ -9280,8 +9794,25 @@
             </a:pPr>
             <a:r>
               <a:rPr lang="it-IT" sz="2600"/>
-              <a:t>Facciamo un’eventuale pulizia dei dati con degli appositi tools</a:t>
-            </a:r>
+              <a:t>I dataset usati per testare il codice sono conservati nei file </a:t>
+            </a:r>
+            <a:r>
+              <a:rPr lang="it-IT" sz="2600">
+                <a:hlinkClick r:id="rId3" action="ppaction://hlinkfile"/>
+              </a:rPr>
+              <a:t>Pokemon.csv </a:t>
+            </a:r>
+            <a:r>
+              <a:rPr lang="it-IT" sz="2600"/>
+              <a:t>e </a:t>
+            </a:r>
+            <a:r>
+              <a:rPr lang="it-IT" sz="2600">
+                <a:hlinkClick r:id="rId4" action="ppaction://hlinkfile"/>
+              </a:rPr>
+              <a:t>wine.csv</a:t>
+            </a:r>
+            <a:endParaRPr lang="it-IT" sz="2600"/>
           </a:p>
           <a:p>
             <a:pPr>
@@ -9290,7 +9821,7 @@
             </a:pPr>
             <a:r>
               <a:rPr lang="it-IT" sz="2600"/>
-              <a:t>Applichiamo i vari algoritmi di clustering(la versione base e le sue varianti)</a:t>
+              <a:t>Facciamo un’eventuale pulizia dei dati con degli appositi tools</a:t>
             </a:r>
           </a:p>
           <a:p>
@@ -9300,6 +9831,16 @@
             </a:pPr>
             <a:r>
               <a:rPr lang="it-IT" sz="2600"/>
+              <a:t>Applichiamo i vari algoritmi di clustering(la versione base e le sue varianti)</a:t>
+            </a:r>
+          </a:p>
+          <a:p>
+            <a:pPr>
+              <a:buFont typeface="Wingdings" panose="05000000000000000000" pitchFamily="2" charset="2"/>
+              <a:buChar char="§"/>
+            </a:pPr>
+            <a:r>
+              <a:rPr lang="it-IT" sz="2600"/>
               <a:t>Discutiamo e validiamo i risultati</a:t>
             </a:r>
           </a:p>
@@ -9308,7 +9849,7 @@
               <a:buNone/>
             </a:pPr>
             <a:r>
-              <a:rPr lang="it-IT" sz="2400" b="1"/>
+              <a:rPr lang="it-IT" sz="2600" b="1"/>
               <a:t>In quanto il clustering è un’operazione dispendiosa cercheremo di tenere pulito l’environment usando la funzione rm() sulle variabili non più usate e la funzione gc()</a:t>
             </a:r>
           </a:p>
@@ -10463,6 +11004,16 @@
             <a:r>
               <a:rPr lang="it-IT" sz="2400"/>
               <a:t>A parità (anche se in modo approssimato) di indici di Silhouette potremmo preferire altri algoritmi rispetto a FKM come FKM.gk o FKM.noise ed altri in quanto la presenza di cluster di forma non per forza sferica e la presenza di informazioni riguardo ai noise points potrebbe essere utile in certe applicazioni.</a:t>
+            </a:r>
+          </a:p>
+          <a:p>
+            <a:pPr>
+              <a:buFont typeface="Wingdings" panose="05000000000000000000" pitchFamily="2" charset="2"/>
+              <a:buChar char="§"/>
+            </a:pPr>
+            <a:r>
+              <a:rPr lang="it-IT" sz="2400"/>
+              <a:t>La funzione validazione.fclust.SILF contenuta in un altro file stamperà informazioni per l’utente riguardo alla validazione dei risultati.</a:t>
             </a:r>
           </a:p>
         </p:txBody>
@@ -10946,66 +11497,199 @@
           </a:p>
         </p:txBody>
       </p:sp>
-      <p:sp>
-        <p:nvSpPr>
-          <p:cNvPr id="3" name="Segnaposto contenuto 2">
-            <a:extLst>
-              <a:ext uri="{FF2B5EF4-FFF2-40B4-BE49-F238E27FC236}">
-                <a16:creationId xmlns:a16="http://schemas.microsoft.com/office/drawing/2014/main" id="{63E350EF-80DB-462B-8C74-B3497E7418AD}"/>
-              </a:ext>
-            </a:extLst>
-          </p:cNvPr>
-          <p:cNvSpPr>
-            <a:spLocks noGrp="1"/>
-          </p:cNvSpPr>
-          <p:nvPr>
-            <p:ph idx="1"/>
-          </p:nvPr>
-        </p:nvSpPr>
-        <p:spPr/>
-        <p:txBody>
-          <a:bodyPr>
-            <a:normAutofit/>
-          </a:bodyPr>
-          <a:lstStyle/>
-          <a:p>
-            <a:r>
-              <a:rPr lang="it-IT" sz="2400"/>
-              <a:t>Definiamo il complemento all’interno dei Fuzzy sets.</a:t>
-            </a:r>
-            <a:br>
-              <a:rPr lang="it-IT" sz="2400"/>
-            </a:br>
-            <a:r>
-              <a:rPr lang="it-IT" sz="2400"/>
-              <a:t>Nell’insiemistica classica il complemento di un insieme è l’insieme di tutti gli oggetti di U che NON appartengono all’insieme.</a:t>
-            </a:r>
-            <a:br>
-              <a:rPr lang="it-IT" sz="2400"/>
-            </a:br>
-            <a:r>
-              <a:rPr lang="it-IT" sz="2400"/>
-              <a:t>Un Fuzzy set però contiene tutti gli elementi di U (ognuno con un certo grado di appartenenza)</a:t>
-            </a:r>
-          </a:p>
-          <a:p>
-            <a:r>
-              <a:rPr lang="it-IT" sz="2400"/>
-              <a:t>Dato un insieme Fuzzy A con funzione di appartenenza m, il suo complemento che indichiamo con Abar è un insieme Fuzzy con funzione di appartenenza mbar tale che:</a:t>
-            </a:r>
-          </a:p>
-          <a:p>
-            <a:pPr>
-              <a:buFont typeface="Wingdings" panose="05000000000000000000" pitchFamily="2" charset="2"/>
-              <a:buChar char="§"/>
-            </a:pPr>
-            <a:r>
-              <a:rPr lang="it-IT" sz="2400"/>
-              <a:t> mbar(u) = 1 – m(u)  ∀ u</a:t>
-            </a:r>
-          </a:p>
-        </p:txBody>
-      </p:sp>
+      <mc:AlternateContent xmlns:mc="http://schemas.openxmlformats.org/markup-compatibility/2006" xmlns:a14="http://schemas.microsoft.com/office/drawing/2010/main">
+        <mc:Choice Requires="a14">
+          <p:sp>
+            <p:nvSpPr>
+              <p:cNvPr id="3" name="Segnaposto contenuto 2">
+                <a:extLst>
+                  <a:ext uri="{FF2B5EF4-FFF2-40B4-BE49-F238E27FC236}">
+                    <a16:creationId xmlns:a16="http://schemas.microsoft.com/office/drawing/2014/main" id="{63E350EF-80DB-462B-8C74-B3497E7418AD}"/>
+                  </a:ext>
+                </a:extLst>
+              </p:cNvPr>
+              <p:cNvSpPr>
+                <a:spLocks noGrp="1"/>
+              </p:cNvSpPr>
+              <p:nvPr>
+                <p:ph idx="1"/>
+              </p:nvPr>
+            </p:nvSpPr>
+            <p:spPr/>
+            <p:txBody>
+              <a:bodyPr>
+                <a:normAutofit/>
+              </a:bodyPr>
+              <a:lstStyle/>
+              <a:p>
+                <a:r>
+                  <a:rPr lang="it-IT" sz="2400"/>
+                  <a:t>Definiamo il complemento all’interno dei Fuzzy sets.</a:t>
+                </a:r>
+                <a:br>
+                  <a:rPr lang="it-IT" sz="2400"/>
+                </a:br>
+                <a:r>
+                  <a:rPr lang="it-IT" sz="2400"/>
+                  <a:t>Nell’insiemistica classica il complemento di un insieme è l’insieme di tutti gli oggetti di U che NON appartengono all’insieme.</a:t>
+                </a:r>
+                <a:br>
+                  <a:rPr lang="it-IT" sz="2400"/>
+                </a:br>
+                <a:r>
+                  <a:rPr lang="it-IT" sz="2400"/>
+                  <a:t>Un Fuzzy set però contiene tutti gli elementi di U (ognuno con un certo grado di appartenenza)</a:t>
+                </a:r>
+              </a:p>
+              <a:p>
+                <a:r>
+                  <a:rPr lang="it-IT" sz="2400"/>
+                  <a:t>Dato un insieme Fuzzy A con funzione di appartenenza m, il suo complemento che indichiamo con </a:t>
+                </a:r>
+                <a14:m>
+                  <m:oMath xmlns:m="http://schemas.openxmlformats.org/officeDocument/2006/math">
+                    <m:acc>
+                      <m:accPr>
+                        <m:chr m:val="̅"/>
+                        <m:ctrlPr>
+                          <a:rPr lang="it-IT" sz="2400" i="1" smtClean="0">
+                            <a:latin typeface="Cambria Math" panose="02040503050406030204" pitchFamily="18" charset="0"/>
+                          </a:rPr>
+                        </m:ctrlPr>
+                      </m:accPr>
+                      <m:e>
+                        <m:r>
+                          <a:rPr lang="it-IT" sz="2400" b="0" i="1" smtClean="0">
+                            <a:latin typeface="Cambria Math" panose="02040503050406030204" pitchFamily="18" charset="0"/>
+                          </a:rPr>
+                          <m:t>𝐴</m:t>
+                        </m:r>
+                      </m:e>
+                    </m:acc>
+                  </m:oMath>
+                </a14:m>
+                <a:r>
+                  <a:rPr lang="it-IT" sz="2400"/>
+                  <a:t> è un insieme Fuzzy con funzione di appartenenza </a:t>
+                </a:r>
+                <a14:m>
+                  <m:oMath xmlns:m="http://schemas.openxmlformats.org/officeDocument/2006/math">
+                    <m:acc>
+                      <m:accPr>
+                        <m:chr m:val="̅"/>
+                        <m:ctrlPr>
+                          <a:rPr lang="it-IT" sz="2400" i="1" smtClean="0">
+                            <a:latin typeface="Cambria Math" panose="02040503050406030204" pitchFamily="18" charset="0"/>
+                          </a:rPr>
+                        </m:ctrlPr>
+                      </m:accPr>
+                      <m:e>
+                        <m:r>
+                          <a:rPr lang="it-IT" sz="2400" b="0" i="1" smtClean="0">
+                            <a:latin typeface="Cambria Math" panose="02040503050406030204" pitchFamily="18" charset="0"/>
+                          </a:rPr>
+                          <m:t>𝑚</m:t>
+                        </m:r>
+                        <m:r>
+                          <a:rPr lang="it-IT" sz="2400" b="0" i="1" smtClean="0">
+                            <a:latin typeface="Cambria Math" panose="02040503050406030204" pitchFamily="18" charset="0"/>
+                          </a:rPr>
+                          <m:t> </m:t>
+                        </m:r>
+                      </m:e>
+                    </m:acc>
+                  </m:oMath>
+                </a14:m>
+                <a:r>
+                  <a:rPr lang="it-IT" sz="2400"/>
+                  <a:t> r tale che:</a:t>
+                </a:r>
+              </a:p>
+              <a:p>
+                <a:pPr>
+                  <a:buFont typeface="Wingdings" panose="05000000000000000000" pitchFamily="2" charset="2"/>
+                  <a:buChar char="§"/>
+                </a:pPr>
+                <a:r>
+                  <a:rPr lang="it-IT" sz="2400"/>
+                  <a:t> </a:t>
+                </a:r>
+                <a14:m>
+                  <m:oMath xmlns:m="http://schemas.openxmlformats.org/officeDocument/2006/math">
+                    <m:acc>
+                      <m:accPr>
+                        <m:chr m:val="̅"/>
+                        <m:ctrlPr>
+                          <a:rPr lang="it-IT" sz="2400" i="1" smtClean="0">
+                            <a:latin typeface="Cambria Math" panose="02040503050406030204" pitchFamily="18" charset="0"/>
+                          </a:rPr>
+                        </m:ctrlPr>
+                      </m:accPr>
+                      <m:e>
+                        <m:r>
+                          <a:rPr lang="it-IT" sz="2400" b="0" i="1" smtClean="0">
+                            <a:latin typeface="Cambria Math" panose="02040503050406030204" pitchFamily="18" charset="0"/>
+                          </a:rPr>
+                          <m:t>𝑚</m:t>
+                        </m:r>
+                        <m:r>
+                          <a:rPr lang="it-IT" sz="2400" b="0" i="1" smtClean="0">
+                            <a:latin typeface="Cambria Math" panose="02040503050406030204" pitchFamily="18" charset="0"/>
+                          </a:rPr>
+                          <m:t> </m:t>
+                        </m:r>
+                      </m:e>
+                    </m:acc>
+                  </m:oMath>
+                </a14:m>
+                <a:r>
+                  <a:rPr lang="it-IT" sz="2400"/>
+                  <a:t>(u) = 1 – m(u)  ∀ u</a:t>
+                </a:r>
+              </a:p>
+            </p:txBody>
+          </p:sp>
+        </mc:Choice>
+        <mc:Fallback xmlns="">
+          <p:sp>
+            <p:nvSpPr>
+              <p:cNvPr id="3" name="Segnaposto contenuto 2">
+                <a:extLst>
+                  <a:ext uri="{FF2B5EF4-FFF2-40B4-BE49-F238E27FC236}">
+                    <a16:creationId xmlns:a16="http://schemas.microsoft.com/office/drawing/2014/main" id="{63E350EF-80DB-462B-8C74-B3497E7418AD}"/>
+                  </a:ext>
+                </a:extLst>
+              </p:cNvPr>
+              <p:cNvSpPr>
+                <a:spLocks noGrp="1" noRot="1" noChangeAspect="1" noMove="1" noResize="1" noEditPoints="1" noAdjustHandles="1" noChangeArrowheads="1" noChangeShapeType="1" noTextEdit="1"/>
+              </p:cNvSpPr>
+              <p:nvPr>
+                <p:ph idx="1"/>
+              </p:nvPr>
+            </p:nvSpPr>
+            <p:spPr>
+              <a:blipFill>
+                <a:blip r:embed="rId2"/>
+                <a:stretch>
+                  <a:fillRect l="-1697" t="-2121" r="-1697"/>
+                </a:stretch>
+              </a:blipFill>
+            </p:spPr>
+            <p:txBody>
+              <a:bodyPr/>
+              <a:lstStyle/>
+              <a:p>
+                <a:r>
+                  <a:rPr lang="it-IT">
+                    <a:noFill/>
+                  </a:rPr>
+                  <a:t> </a:t>
+                </a:r>
+              </a:p>
+            </p:txBody>
+          </p:sp>
+        </mc:Fallback>
+      </mc:AlternateContent>
       <p:pic>
         <p:nvPicPr>
           <p:cNvPr id="5" name="Immagine 4" descr="Immagine che contiene antenna&#10;&#10;Descrizione generata automaticamente">
@@ -11021,7 +11705,7 @@
           <p:nvPr/>
         </p:nvPicPr>
         <p:blipFill>
-          <a:blip r:embed="rId2">
+          <a:blip r:embed="rId3">
             <a:extLst>
               <a:ext uri="{28A0092B-C50C-407E-A947-70E740481C1C}">
                 <a14:useLocalDpi xmlns:a14="http://schemas.microsoft.com/office/drawing/2010/main" val="0"/>
@@ -11034,8 +11718,8 @@
         </p:blipFill>
         <p:spPr>
           <a:xfrm>
-            <a:off x="7271042" y="4429010"/>
-            <a:ext cx="2993704" cy="1859247"/>
+            <a:off x="7271041" y="4361548"/>
+            <a:ext cx="3124983" cy="1940778"/>
           </a:xfrm>
           <a:prstGeom prst="rect">
             <a:avLst/>
@@ -11163,7 +11847,31 @@
             </a:pPr>
             <a:r>
               <a:rPr lang="it-IT" sz="2400"/>
-              <a:t> mC = min[ mA(u) , mB(u) ] ∀ u</a:t>
+              <a:t> m</a:t>
+            </a:r>
+            <a:r>
+              <a:rPr lang="it-IT" sz="2400" baseline="-25000"/>
+              <a:t>C</a:t>
+            </a:r>
+            <a:r>
+              <a:rPr lang="it-IT" sz="2400"/>
+              <a:t> = min[ m</a:t>
+            </a:r>
+            <a:r>
+              <a:rPr lang="it-IT" sz="2400" baseline="-25000"/>
+              <a:t>A</a:t>
+            </a:r>
+            <a:r>
+              <a:rPr lang="it-IT" sz="2400"/>
+              <a:t>(u) , m</a:t>
+            </a:r>
+            <a:r>
+              <a:rPr lang="it-IT" sz="2400" baseline="-25000"/>
+              <a:t>B</a:t>
+            </a:r>
+            <a:r>
+              <a:rPr lang="it-IT" sz="2400"/>
+              <a:t>(u) ] ∀ u</a:t>
             </a:r>
           </a:p>
         </p:txBody>
@@ -11293,7 +12001,7 @@
           <a:p>
             <a:r>
               <a:rPr lang="it-IT" sz="3800"/>
-              <a:t>L’unione tra insiemi Fuzzy la definiamo come il minimo trai gradi di appartenenza, vale a dire che se u ha grado uguale a 0.3 in A e grado 0.6 in B nell’insieme intersezione C allora u avrà grado uguale a 0.6</a:t>
+              <a:t>L’unione tra insiemi Fuzzy la definiamo come il massimo trai gradi di appartenenza, vale a dire che se u ha grado uguale a 0.3 in A e grado 0.6 in B nell’insieme intersezione C allora u avrà grado uguale a 0.6</a:t>
             </a:r>
           </a:p>
           <a:p>
@@ -11309,7 +12017,31 @@
             </a:pPr>
             <a:r>
               <a:rPr lang="it-IT" sz="3800"/>
-              <a:t>mC = max[ mA(u) , mB(u) ] ∀ u</a:t>
+              <a:t>m</a:t>
+            </a:r>
+            <a:r>
+              <a:rPr lang="it-IT" sz="3800" baseline="-25000"/>
+              <a:t>C</a:t>
+            </a:r>
+            <a:r>
+              <a:rPr lang="it-IT" sz="3800"/>
+              <a:t> = max[ m</a:t>
+            </a:r>
+            <a:r>
+              <a:rPr lang="it-IT" sz="3800" baseline="-25000"/>
+              <a:t>A</a:t>
+            </a:r>
+            <a:r>
+              <a:rPr lang="it-IT" sz="3800"/>
+              <a:t>(u) , m</a:t>
+            </a:r>
+            <a:r>
+              <a:rPr lang="it-IT" sz="3800" baseline="-25000"/>
+              <a:t>B</a:t>
+            </a:r>
+            <a:r>
+              <a:rPr lang="it-IT" sz="3800"/>
+              <a:t>(u) ] ∀ u</a:t>
             </a:r>
           </a:p>
           <a:p>
@@ -11482,7 +12214,23 @@
             </a:r>
             <a:r>
               <a:rPr lang="it-IT" sz="2400"/>
-              <a:t>: un Fuzzy set A è incluso in un secondo Fuzzy set B se e solo se sono definiti sullo stesso universo e il valore mA(u) è minore o uguale a mB(u) per ogni u dell’universo</a:t>
+              <a:t>: un Fuzzy set A è incluso in un secondo Fuzzy set B se e solo se sono definiti sullo stesso universo e il valore m</a:t>
+            </a:r>
+            <a:r>
+              <a:rPr lang="it-IT" sz="2600" baseline="-25000"/>
+              <a:t>A</a:t>
+            </a:r>
+            <a:r>
+              <a:rPr lang="it-IT" sz="2400"/>
+              <a:t>(u) è minore o uguale a m</a:t>
+            </a:r>
+            <a:r>
+              <a:rPr lang="it-IT" sz="2600" baseline="-25000"/>
+              <a:t>B</a:t>
+            </a:r>
+            <a:r>
+              <a:rPr lang="it-IT" sz="2400"/>
+              <a:t>(u) per ogni u dell’universo</a:t>
             </a:r>
           </a:p>
           <a:p>

--- a/relazione.pptx
+++ b/relazione.pptx
@@ -2759,7 +2759,7 @@
           <a:p>
             <a:fld id="{D478EEAB-D62E-4B64-81A9-A8EE0DEB58FD}" type="datetimeFigureOut">
               <a:rPr lang="it-IT" smtClean="0"/>
-              <a:t>02/03/2022</a:t>
+              <a:t>05/03/2022</a:t>
             </a:fld>
             <a:endParaRPr lang="it-IT"/>
           </a:p>
@@ -2967,7 +2967,7 @@
           <a:p>
             <a:fld id="{D478EEAB-D62E-4B64-81A9-A8EE0DEB58FD}" type="datetimeFigureOut">
               <a:rPr lang="it-IT" smtClean="0"/>
-              <a:t>02/03/2022</a:t>
+              <a:t>05/03/2022</a:t>
             </a:fld>
             <a:endParaRPr lang="it-IT"/>
           </a:p>
@@ -3223,7 +3223,7 @@
           <a:p>
             <a:fld id="{D478EEAB-D62E-4B64-81A9-A8EE0DEB58FD}" type="datetimeFigureOut">
               <a:rPr lang="it-IT" smtClean="0"/>
-              <a:t>02/03/2022</a:t>
+              <a:t>05/03/2022</a:t>
             </a:fld>
             <a:endParaRPr lang="it-IT"/>
           </a:p>
@@ -3397,7 +3397,7 @@
           <a:p>
             <a:fld id="{D478EEAB-D62E-4B64-81A9-A8EE0DEB58FD}" type="datetimeFigureOut">
               <a:rPr lang="it-IT" smtClean="0"/>
-              <a:t>02/03/2022</a:t>
+              <a:t>05/03/2022</a:t>
             </a:fld>
             <a:endParaRPr lang="it-IT"/>
           </a:p>
@@ -3740,7 +3740,7 @@
           <a:p>
             <a:fld id="{D478EEAB-D62E-4B64-81A9-A8EE0DEB58FD}" type="datetimeFigureOut">
               <a:rPr lang="it-IT" smtClean="0"/>
-              <a:t>02/03/2022</a:t>
+              <a:t>05/03/2022</a:t>
             </a:fld>
             <a:endParaRPr lang="it-IT"/>
           </a:p>
@@ -4015,7 +4015,7 @@
           <a:p>
             <a:fld id="{D478EEAB-D62E-4B64-81A9-A8EE0DEB58FD}" type="datetimeFigureOut">
               <a:rPr lang="it-IT" smtClean="0"/>
-              <a:t>02/03/2022</a:t>
+              <a:t>05/03/2022</a:t>
             </a:fld>
             <a:endParaRPr lang="it-IT"/>
           </a:p>
@@ -4394,7 +4394,7 @@
           <a:p>
             <a:fld id="{D478EEAB-D62E-4B64-81A9-A8EE0DEB58FD}" type="datetimeFigureOut">
               <a:rPr lang="it-IT" smtClean="0"/>
-              <a:t>02/03/2022</a:t>
+              <a:t>05/03/2022</a:t>
             </a:fld>
             <a:endParaRPr lang="it-IT"/>
           </a:p>
@@ -4512,7 +4512,7 @@
           <a:p>
             <a:fld id="{D478EEAB-D62E-4B64-81A9-A8EE0DEB58FD}" type="datetimeFigureOut">
               <a:rPr lang="it-IT" smtClean="0"/>
-              <a:t>02/03/2022</a:t>
+              <a:t>05/03/2022</a:t>
             </a:fld>
             <a:endParaRPr lang="it-IT"/>
           </a:p>
@@ -4683,7 +4683,7 @@
           <a:p>
             <a:fld id="{D478EEAB-D62E-4B64-81A9-A8EE0DEB58FD}" type="datetimeFigureOut">
               <a:rPr lang="it-IT" smtClean="0"/>
-              <a:t>02/03/2022</a:t>
+              <a:t>05/03/2022</a:t>
             </a:fld>
             <a:endParaRPr lang="it-IT"/>
           </a:p>
@@ -5037,7 +5037,7 @@
           <a:p>
             <a:fld id="{D478EEAB-D62E-4B64-81A9-A8EE0DEB58FD}" type="datetimeFigureOut">
               <a:rPr lang="it-IT" smtClean="0"/>
-              <a:t>02/03/2022</a:t>
+              <a:t>05/03/2022</a:t>
             </a:fld>
             <a:endParaRPr lang="it-IT"/>
           </a:p>
@@ -5419,7 +5419,7 @@
           <a:p>
             <a:fld id="{D478EEAB-D62E-4B64-81A9-A8EE0DEB58FD}" type="datetimeFigureOut">
               <a:rPr lang="it-IT" smtClean="0"/>
-              <a:t>02/03/2022</a:t>
+              <a:t>05/03/2022</a:t>
             </a:fld>
             <a:endParaRPr lang="it-IT"/>
           </a:p>
@@ -5706,7 +5706,7 @@
           <a:p>
             <a:fld id="{D478EEAB-D62E-4B64-81A9-A8EE0DEB58FD}" type="datetimeFigureOut">
               <a:rPr lang="it-IT" smtClean="0"/>
-              <a:t>02/03/2022</a:t>
+              <a:t>05/03/2022</a:t>
             </a:fld>
             <a:endParaRPr lang="it-IT"/>
           </a:p>
@@ -6636,7 +6636,7 @@
           <a:p>
             <a:r>
               <a:rPr lang="it-IT" sz="2400"/>
-              <a:t>Nell’hard clustering o clustering rigido un’osservazione può appartenere a un solo cluster, il Fuzzy Clustering risulta più efficace quando ci troviamo in situazioni in cui gli oggetti potrebbero risultare più difficile da raggruppare per tipo.</a:t>
+              <a:t>Nell’hard clustering o clustering rigido un’osservazione può appartenere a un solo cluster, il Fuzzy Clustering risulta più efficace quando ci troviamo in situazioni in cui gli oggetti potrebbero risultare più complicati da raggruppare per tipo.</a:t>
             </a:r>
           </a:p>
           <a:p>
@@ -6741,7 +6741,7 @@
           <a:p>
             <a:r>
               <a:rPr lang="it-IT" sz="2400"/>
-              <a:t>Vogliamo suddividere le mele in rosse e verdi, nella realtà sappiamo che una mela può avere varie sfumature quindi fare una suddivisione binaria può essere rischiosa. Piuttosto ogni mela sarà presente sia nell’insieme «Rossa» sia nell’insieme «Verde» con i relativi gradi di appartenenza. </a:t>
+              <a:t>Vogliamo suddividere le mele in rosse e verdi, nella realtà sappiamo che una mela può avere moltissime sfumature quindi fare una suddivisione binaria può essere rischiosa. Piuttosto ogni mela sarà presente sia nell’insieme «Rossa» sia nell’insieme «Verde» con i relativi gradi di appartenenza. </a:t>
             </a:r>
           </a:p>
         </p:txBody>
@@ -7235,7 +7235,7 @@
             </a:pPr>
             <a:r>
               <a:rPr lang="it-IT" sz="2400"/>
-              <a:t>Ripeti fino a convergenza:</a:t>
+              <a:t>Ripeti fino a convergenza (variazione dei coefficienti tra 2 iterazioni bassa):</a:t>
             </a:r>
           </a:p>
           <a:p>
@@ -10384,7 +10384,7 @@
             </a:pPr>
             <a:r>
               <a:rPr lang="it-IT" sz="2400"/>
-              <a:t>La funzione passato in input k valuterà quale dei numeri all’interno del vettore è più idoneo, quindi non dobbiamo preoccuparci di capire in altri modi il numero opportuno di cluster, è già implementato e incluso nella funzione.</a:t>
+              <a:t>La funzione, passato in input k, valuterà quale dei numeri all’interno del vettore è più idoneo, quindi non dobbiamo preoccuparci di capire in altri modi il numero opportuno di cluster, è già implementato e incluso nella funzione.</a:t>
             </a:r>
           </a:p>
           <a:p>
@@ -10867,7 +10867,7 @@
             </a:pPr>
             <a:r>
               <a:rPr lang="it-IT" sz="2400"/>
-              <a:t>Si è notato sperimentando col codice che i metodi con entropy regularization necessitano spesso di dati standardizzati, la presenza di dati non standardizzati potrebbe provocare per via dell’implementazione della funzione degli errori nei calcoli della matrice dei gradi di appartenenza(si genererebbero dei NAN)</a:t>
+              <a:t>Si è notato sperimentando col codice che i metodi con entropy regularization necessitano spesso di dati standardizzati, la presenza di dati non standardizzati potrebbe provocare, per via dell’implementazione della funzione, degli errori nei calcoli della matrice dei gradi di appartenenza(si genererebbero dei NAN)</a:t>
             </a:r>
           </a:p>
           <a:p>
@@ -11131,7 +11131,7 @@
             </a:br>
             <a:r>
               <a:rPr lang="it-IT" sz="2400"/>
-              <a:t>Se 0 &lt; m(u) &lt; 1 allora u è parzialmente incluso all’insieme Fuzzy.</a:t>
+              <a:t>Se 0 &lt; m(u) &lt; 1 allora u è parzialmente incluso nell’insieme Fuzzy.</a:t>
             </a:r>
           </a:p>
         </p:txBody>
@@ -11431,8 +11431,8 @@
         </p:blipFill>
         <p:spPr>
           <a:xfrm>
-            <a:off x="7240334" y="1845734"/>
-            <a:ext cx="4492122" cy="4471164"/>
+            <a:off x="7240334" y="1789727"/>
+            <a:ext cx="4548392" cy="4527171"/>
           </a:xfrm>
           <a:prstGeom prst="rect">
             <a:avLst/>
@@ -11497,8 +11497,8 @@
           </a:p>
         </p:txBody>
       </p:sp>
-      <mc:AlternateContent xmlns:mc="http://schemas.openxmlformats.org/markup-compatibility/2006" xmlns:a14="http://schemas.microsoft.com/office/drawing/2010/main">
-        <mc:Choice Requires="a14">
+      <mc:AlternateContent xmlns:mc="http://schemas.openxmlformats.org/markup-compatibility/2006">
+        <mc:Choice xmlns:a14="http://schemas.microsoft.com/office/drawing/2010/main" Requires="a14">
           <p:sp>
             <p:nvSpPr>
               <p:cNvPr id="3" name="Segnaposto contenuto 2">
@@ -11602,7 +11602,7 @@
                 </a14:m>
                 <a:r>
                   <a:rPr lang="it-IT" sz="2400"/>
-                  <a:t> r tale che:</a:t>
+                  <a:t> e tale che:</a:t>
                 </a:r>
               </a:p>
               <a:p>
@@ -11650,7 +11650,7 @@
             </p:txBody>
           </p:sp>
         </mc:Choice>
-        <mc:Fallback xmlns="">
+        <mc:Fallback>
           <p:sp>
             <p:nvSpPr>
               <p:cNvPr id="3" name="Segnaposto contenuto 2">
@@ -11671,7 +11671,7 @@
               <a:blipFill>
                 <a:blip r:embed="rId2"/>
                 <a:stretch>
-                  <a:fillRect l="-1697" t="-2121" r="-1697"/>
+                  <a:fillRect l="-1697" t="-2121" r="-2121"/>
                 </a:stretch>
               </a:blipFill>
             </p:spPr>

--- a/relazione.pptx
+++ b/relazione.pptx
@@ -2759,7 +2759,7 @@
           <a:p>
             <a:fld id="{D478EEAB-D62E-4B64-81A9-A8EE0DEB58FD}" type="datetimeFigureOut">
               <a:rPr lang="it-IT" smtClean="0"/>
-              <a:t>05/03/2022</a:t>
+              <a:t>07/03/2022</a:t>
             </a:fld>
             <a:endParaRPr lang="it-IT"/>
           </a:p>
@@ -2967,7 +2967,7 @@
           <a:p>
             <a:fld id="{D478EEAB-D62E-4B64-81A9-A8EE0DEB58FD}" type="datetimeFigureOut">
               <a:rPr lang="it-IT" smtClean="0"/>
-              <a:t>05/03/2022</a:t>
+              <a:t>07/03/2022</a:t>
             </a:fld>
             <a:endParaRPr lang="it-IT"/>
           </a:p>
@@ -3223,7 +3223,7 @@
           <a:p>
             <a:fld id="{D478EEAB-D62E-4B64-81A9-A8EE0DEB58FD}" type="datetimeFigureOut">
               <a:rPr lang="it-IT" smtClean="0"/>
-              <a:t>05/03/2022</a:t>
+              <a:t>07/03/2022</a:t>
             </a:fld>
             <a:endParaRPr lang="it-IT"/>
           </a:p>
@@ -3397,7 +3397,7 @@
           <a:p>
             <a:fld id="{D478EEAB-D62E-4B64-81A9-A8EE0DEB58FD}" type="datetimeFigureOut">
               <a:rPr lang="it-IT" smtClean="0"/>
-              <a:t>05/03/2022</a:t>
+              <a:t>07/03/2022</a:t>
             </a:fld>
             <a:endParaRPr lang="it-IT"/>
           </a:p>
@@ -3740,7 +3740,7 @@
           <a:p>
             <a:fld id="{D478EEAB-D62E-4B64-81A9-A8EE0DEB58FD}" type="datetimeFigureOut">
               <a:rPr lang="it-IT" smtClean="0"/>
-              <a:t>05/03/2022</a:t>
+              <a:t>07/03/2022</a:t>
             </a:fld>
             <a:endParaRPr lang="it-IT"/>
           </a:p>
@@ -4015,7 +4015,7 @@
           <a:p>
             <a:fld id="{D478EEAB-D62E-4B64-81A9-A8EE0DEB58FD}" type="datetimeFigureOut">
               <a:rPr lang="it-IT" smtClean="0"/>
-              <a:t>05/03/2022</a:t>
+              <a:t>07/03/2022</a:t>
             </a:fld>
             <a:endParaRPr lang="it-IT"/>
           </a:p>
@@ -4394,7 +4394,7 @@
           <a:p>
             <a:fld id="{D478EEAB-D62E-4B64-81A9-A8EE0DEB58FD}" type="datetimeFigureOut">
               <a:rPr lang="it-IT" smtClean="0"/>
-              <a:t>05/03/2022</a:t>
+              <a:t>07/03/2022</a:t>
             </a:fld>
             <a:endParaRPr lang="it-IT"/>
           </a:p>
@@ -4512,7 +4512,7 @@
           <a:p>
             <a:fld id="{D478EEAB-D62E-4B64-81A9-A8EE0DEB58FD}" type="datetimeFigureOut">
               <a:rPr lang="it-IT" smtClean="0"/>
-              <a:t>05/03/2022</a:t>
+              <a:t>07/03/2022</a:t>
             </a:fld>
             <a:endParaRPr lang="it-IT"/>
           </a:p>
@@ -4683,7 +4683,7 @@
           <a:p>
             <a:fld id="{D478EEAB-D62E-4B64-81A9-A8EE0DEB58FD}" type="datetimeFigureOut">
               <a:rPr lang="it-IT" smtClean="0"/>
-              <a:t>05/03/2022</a:t>
+              <a:t>07/03/2022</a:t>
             </a:fld>
             <a:endParaRPr lang="it-IT"/>
           </a:p>
@@ -5037,7 +5037,7 @@
           <a:p>
             <a:fld id="{D478EEAB-D62E-4B64-81A9-A8EE0DEB58FD}" type="datetimeFigureOut">
               <a:rPr lang="it-IT" smtClean="0"/>
-              <a:t>05/03/2022</a:t>
+              <a:t>07/03/2022</a:t>
             </a:fld>
             <a:endParaRPr lang="it-IT"/>
           </a:p>
@@ -5419,7 +5419,7 @@
           <a:p>
             <a:fld id="{D478EEAB-D62E-4B64-81A9-A8EE0DEB58FD}" type="datetimeFigureOut">
               <a:rPr lang="it-IT" smtClean="0"/>
-              <a:t>05/03/2022</a:t>
+              <a:t>07/03/2022</a:t>
             </a:fld>
             <a:endParaRPr lang="it-IT"/>
           </a:p>
@@ -5706,7 +5706,7 @@
           <a:p>
             <a:fld id="{D478EEAB-D62E-4B64-81A9-A8EE0DEB58FD}" type="datetimeFigureOut">
               <a:rPr lang="it-IT" smtClean="0"/>
-              <a:t>05/03/2022</a:t>
+              <a:t>07/03/2022</a:t>
             </a:fld>
             <a:endParaRPr lang="it-IT"/>
           </a:p>
@@ -9794,7 +9794,7 @@
             </a:pPr>
             <a:r>
               <a:rPr lang="it-IT" sz="2600"/>
-              <a:t>I dataset usati per testare il codice sono conservati nei file </a:t>
+              <a:t>Il dataset usato nel codice è conservato nel file </a:t>
             </a:r>
             <a:r>
               <a:rPr lang="it-IT" sz="2600">
@@ -9804,7 +9804,7 @@
             </a:r>
             <a:r>
               <a:rPr lang="it-IT" sz="2600"/>
-              <a:t>e </a:t>
+              <a:t>, è stato usato anche </a:t>
             </a:r>
             <a:r>
               <a:rPr lang="it-IT" sz="2600">
@@ -10983,7 +10983,7 @@
         <p:spPr/>
         <p:txBody>
           <a:bodyPr>
-            <a:normAutofit/>
+            <a:normAutofit lnSpcReduction="10000"/>
           </a:bodyPr>
           <a:lstStyle/>
           <a:p>
@@ -11004,6 +11004,13 @@
             <a:r>
               <a:rPr lang="it-IT" sz="2400"/>
               <a:t>A parità (anche se in modo approssimato) di indici di Silhouette potremmo preferire altri algoritmi rispetto a FKM come FKM.gk o FKM.noise ed altri in quanto la presenza di cluster di forma non per forza sferica e la presenza di informazioni riguardo ai noise points potrebbe essere utile in certe applicazioni.</a:t>
+            </a:r>
+            <a:br>
+              <a:rPr lang="it-IT" sz="2400"/>
+            </a:br>
+            <a:r>
+              <a:rPr lang="it-IT" sz="2400"/>
+              <a:t>Per questo motivo se la differenza tra gli indici di FKM e FKM.noise(ad esempio) è bassa in valore assoluto preferiamo FKM.noise</a:t>
             </a:r>
           </a:p>
           <a:p>
@@ -11497,8 +11504,8 @@
           </a:p>
         </p:txBody>
       </p:sp>
-      <mc:AlternateContent xmlns:mc="http://schemas.openxmlformats.org/markup-compatibility/2006">
-        <mc:Choice xmlns:a14="http://schemas.microsoft.com/office/drawing/2010/main" Requires="a14">
+      <mc:AlternateContent xmlns:mc="http://schemas.openxmlformats.org/markup-compatibility/2006" xmlns:a14="http://schemas.microsoft.com/office/drawing/2010/main">
+        <mc:Choice Requires="a14">
           <p:sp>
             <p:nvSpPr>
               <p:cNvPr id="3" name="Segnaposto contenuto 2">
@@ -11650,7 +11657,7 @@
             </p:txBody>
           </p:sp>
         </mc:Choice>
-        <mc:Fallback>
+        <mc:Fallback xmlns="">
           <p:sp>
             <p:nvSpPr>
               <p:cNvPr id="3" name="Segnaposto contenuto 2">

--- a/relazione.pptx
+++ b/relazione.pptx
@@ -2759,7 +2759,7 @@
           <a:p>
             <a:fld id="{D478EEAB-D62E-4B64-81A9-A8EE0DEB58FD}" type="datetimeFigureOut">
               <a:rPr lang="it-IT" smtClean="0"/>
-              <a:t>07/03/2022</a:t>
+              <a:t>08/03/2022</a:t>
             </a:fld>
             <a:endParaRPr lang="it-IT"/>
           </a:p>
@@ -2967,7 +2967,7 @@
           <a:p>
             <a:fld id="{D478EEAB-D62E-4B64-81A9-A8EE0DEB58FD}" type="datetimeFigureOut">
               <a:rPr lang="it-IT" smtClean="0"/>
-              <a:t>07/03/2022</a:t>
+              <a:t>08/03/2022</a:t>
             </a:fld>
             <a:endParaRPr lang="it-IT"/>
           </a:p>
@@ -3223,7 +3223,7 @@
           <a:p>
             <a:fld id="{D478EEAB-D62E-4B64-81A9-A8EE0DEB58FD}" type="datetimeFigureOut">
               <a:rPr lang="it-IT" smtClean="0"/>
-              <a:t>07/03/2022</a:t>
+              <a:t>08/03/2022</a:t>
             </a:fld>
             <a:endParaRPr lang="it-IT"/>
           </a:p>
@@ -3397,7 +3397,7 @@
           <a:p>
             <a:fld id="{D478EEAB-D62E-4B64-81A9-A8EE0DEB58FD}" type="datetimeFigureOut">
               <a:rPr lang="it-IT" smtClean="0"/>
-              <a:t>07/03/2022</a:t>
+              <a:t>08/03/2022</a:t>
             </a:fld>
             <a:endParaRPr lang="it-IT"/>
           </a:p>
@@ -3740,7 +3740,7 @@
           <a:p>
             <a:fld id="{D478EEAB-D62E-4B64-81A9-A8EE0DEB58FD}" type="datetimeFigureOut">
               <a:rPr lang="it-IT" smtClean="0"/>
-              <a:t>07/03/2022</a:t>
+              <a:t>08/03/2022</a:t>
             </a:fld>
             <a:endParaRPr lang="it-IT"/>
           </a:p>
@@ -4015,7 +4015,7 @@
           <a:p>
             <a:fld id="{D478EEAB-D62E-4B64-81A9-A8EE0DEB58FD}" type="datetimeFigureOut">
               <a:rPr lang="it-IT" smtClean="0"/>
-              <a:t>07/03/2022</a:t>
+              <a:t>08/03/2022</a:t>
             </a:fld>
             <a:endParaRPr lang="it-IT"/>
           </a:p>
@@ -4394,7 +4394,7 @@
           <a:p>
             <a:fld id="{D478EEAB-D62E-4B64-81A9-A8EE0DEB58FD}" type="datetimeFigureOut">
               <a:rPr lang="it-IT" smtClean="0"/>
-              <a:t>07/03/2022</a:t>
+              <a:t>08/03/2022</a:t>
             </a:fld>
             <a:endParaRPr lang="it-IT"/>
           </a:p>
@@ -4512,7 +4512,7 @@
           <a:p>
             <a:fld id="{D478EEAB-D62E-4B64-81A9-A8EE0DEB58FD}" type="datetimeFigureOut">
               <a:rPr lang="it-IT" smtClean="0"/>
-              <a:t>07/03/2022</a:t>
+              <a:t>08/03/2022</a:t>
             </a:fld>
             <a:endParaRPr lang="it-IT"/>
           </a:p>
@@ -4683,7 +4683,7 @@
           <a:p>
             <a:fld id="{D478EEAB-D62E-4B64-81A9-A8EE0DEB58FD}" type="datetimeFigureOut">
               <a:rPr lang="it-IT" smtClean="0"/>
-              <a:t>07/03/2022</a:t>
+              <a:t>08/03/2022</a:t>
             </a:fld>
             <a:endParaRPr lang="it-IT"/>
           </a:p>
@@ -5037,7 +5037,7 @@
           <a:p>
             <a:fld id="{D478EEAB-D62E-4B64-81A9-A8EE0DEB58FD}" type="datetimeFigureOut">
               <a:rPr lang="it-IT" smtClean="0"/>
-              <a:t>07/03/2022</a:t>
+              <a:t>08/03/2022</a:t>
             </a:fld>
             <a:endParaRPr lang="it-IT"/>
           </a:p>
@@ -5419,7 +5419,7 @@
           <a:p>
             <a:fld id="{D478EEAB-D62E-4B64-81A9-A8EE0DEB58FD}" type="datetimeFigureOut">
               <a:rPr lang="it-IT" smtClean="0"/>
-              <a:t>07/03/2022</a:t>
+              <a:t>08/03/2022</a:t>
             </a:fld>
             <a:endParaRPr lang="it-IT"/>
           </a:p>
@@ -5706,7 +5706,7 @@
           <a:p>
             <a:fld id="{D478EEAB-D62E-4B64-81A9-A8EE0DEB58FD}" type="datetimeFigureOut">
               <a:rPr lang="it-IT" smtClean="0"/>
-              <a:t>07/03/2022</a:t>
+              <a:t>08/03/2022</a:t>
             </a:fld>
             <a:endParaRPr lang="it-IT"/>
           </a:p>
@@ -10741,7 +10741,7 @@
             </a:pPr>
             <a:r>
               <a:rPr lang="it-IT" sz="2400"/>
-              <a:t>Per poter confrontare i vari algoritmi di clustering e capire chi tra esso si comporta meglio su un dataset costruiamo una funzione che esegue tutti gli algoritmi di clustering e ritorna l’oggetto fclust con il coefficiente di fuzzy Silhouette migliore, la funzione esegue vari algoritmi molto dispendiosi di cui deve anche decidere il numero di cluster(in pratica ogni algoritmo sarà provato con k cluster con k che va da 2 a 6)</a:t>
+              <a:t>Per poter confrontare i vari algoritmi di clustering e capire chi tra esso si comporta meglio su un dataset costruiamo una funzione che esegue vari algoritmi di fuzzy clustering e ritorna l’oggetto fclust con il coefficiente di fuzzy Silhouette migliore, la funzione esegue vari algoritmi molto dispendiosi di cui deve anche decidere il numero di cluster(in pratica ogni algoritmo sarà provato con k cluster con k che va da 2 a 6)</a:t>
             </a:r>
           </a:p>
           <a:p>
